--- a/Presentación/Math Match.pptx
+++ b/Presentación/Math Match.pptx
@@ -6,28 +6,17 @@
   </p:sldMasterIdLst>
   <p:sldIdLst>
     <p:sldId id="257" r:id="rId2"/>
-    <p:sldId id="292" r:id="rId3"/>
-    <p:sldId id="280" r:id="rId4"/>
-    <p:sldId id="284" r:id="rId5"/>
-    <p:sldId id="293" r:id="rId6"/>
-    <p:sldId id="294" r:id="rId7"/>
-    <p:sldId id="295" r:id="rId8"/>
-    <p:sldId id="296" r:id="rId9"/>
-    <p:sldId id="297" r:id="rId10"/>
-    <p:sldId id="285" r:id="rId11"/>
-    <p:sldId id="298" r:id="rId12"/>
-    <p:sldId id="299" r:id="rId13"/>
-    <p:sldId id="286" r:id="rId14"/>
-    <p:sldId id="301" r:id="rId15"/>
-    <p:sldId id="288" r:id="rId16"/>
-    <p:sldId id="290" r:id="rId17"/>
-    <p:sldId id="302" r:id="rId18"/>
-    <p:sldId id="291" r:id="rId19"/>
-    <p:sldId id="303" r:id="rId20"/>
-    <p:sldId id="304" r:id="rId21"/>
-    <p:sldId id="289" r:id="rId22"/>
-    <p:sldId id="287" r:id="rId23"/>
-    <p:sldId id="262" r:id="rId24"/>
+    <p:sldId id="280" r:id="rId3"/>
+    <p:sldId id="292" r:id="rId4"/>
+    <p:sldId id="290" r:id="rId5"/>
+    <p:sldId id="302" r:id="rId6"/>
+    <p:sldId id="291" r:id="rId7"/>
+    <p:sldId id="303" r:id="rId8"/>
+    <p:sldId id="288" r:id="rId9"/>
+    <p:sldId id="304" r:id="rId10"/>
+    <p:sldId id="289" r:id="rId11"/>
+    <p:sldId id="287" r:id="rId12"/>
+    <p:sldId id="262" r:id="rId13"/>
   </p:sldIdLst>
   <p:sldSz cx="9144000" cy="5143500" type="screen16x9"/>
   <p:notesSz cx="6858000" cy="9144000"/>
@@ -173,7 +162,7 @@
           <p:cNvPr id="3" name="Picture 2">
             <a:extLst>
               <a:ext uri="{FF2B5EF4-FFF2-40B4-BE49-F238E27FC236}">
-                <a16:creationId xmlns:a16="http://schemas.microsoft.com/office/drawing/2014/main" id="{8A6566B0-3E59-A84D-9AB2-DA05E602ADD5}"/>
+                <a16:creationId xmlns:a16="http://schemas.microsoft.com/office/drawing/2014/main" xmlns="" id="{8A6566B0-3E59-A84D-9AB2-DA05E602ADD5}"/>
               </a:ext>
             </a:extLst>
           </p:cNvPr>
@@ -583,7 +572,7 @@
           <p:cNvPr id="3" name="Picture 2">
             <a:extLst>
               <a:ext uri="{FF2B5EF4-FFF2-40B4-BE49-F238E27FC236}">
-                <a16:creationId xmlns:a16="http://schemas.microsoft.com/office/drawing/2014/main" id="{8477ACAF-E4FF-A844-9E41-091A7206A2B4}"/>
+                <a16:creationId xmlns:a16="http://schemas.microsoft.com/office/drawing/2014/main" xmlns="" id="{8477ACAF-E4FF-A844-9E41-091A7206A2B4}"/>
               </a:ext>
             </a:extLst>
           </p:cNvPr>
@@ -643,7 +632,7 @@
           <p:cNvPr id="3" name="Picture 2">
             <a:extLst>
               <a:ext uri="{FF2B5EF4-FFF2-40B4-BE49-F238E27FC236}">
-                <a16:creationId xmlns:a16="http://schemas.microsoft.com/office/drawing/2014/main" id="{056920DA-0831-5D43-AA82-7741662FB96F}"/>
+                <a16:creationId xmlns:a16="http://schemas.microsoft.com/office/drawing/2014/main" xmlns="" id="{056920DA-0831-5D43-AA82-7741662FB96F}"/>
               </a:ext>
             </a:extLst>
           </p:cNvPr>
@@ -702,7 +691,7 @@
           <p:cNvPr id="3" name="Picture 2">
             <a:extLst>
               <a:ext uri="{FF2B5EF4-FFF2-40B4-BE49-F238E27FC236}">
-                <a16:creationId xmlns:a16="http://schemas.microsoft.com/office/drawing/2014/main" id="{AFB3CFEF-4B3E-1E40-B352-B3A39094156E}"/>
+                <a16:creationId xmlns:a16="http://schemas.microsoft.com/office/drawing/2014/main" xmlns="" id="{AFB3CFEF-4B3E-1E40-B352-B3A39094156E}"/>
               </a:ext>
             </a:extLst>
           </p:cNvPr>
@@ -762,7 +751,7 @@
           <p:cNvPr id="3" name="Picture 2">
             <a:extLst>
               <a:ext uri="{FF2B5EF4-FFF2-40B4-BE49-F238E27FC236}">
-                <a16:creationId xmlns:a16="http://schemas.microsoft.com/office/drawing/2014/main" id="{A39422CC-C000-654E-9301-E5A5A99182F7}"/>
+                <a16:creationId xmlns:a16="http://schemas.microsoft.com/office/drawing/2014/main" xmlns="" id="{A39422CC-C000-654E-9301-E5A5A99182F7}"/>
               </a:ext>
             </a:extLst>
           </p:cNvPr>
@@ -822,7 +811,7 @@
           <p:cNvPr id="3" name="Picture 2">
             <a:extLst>
               <a:ext uri="{FF2B5EF4-FFF2-40B4-BE49-F238E27FC236}">
-                <a16:creationId xmlns:a16="http://schemas.microsoft.com/office/drawing/2014/main" id="{DA3B3542-21FA-CE4F-97EC-30221117B445}"/>
+                <a16:creationId xmlns:a16="http://schemas.microsoft.com/office/drawing/2014/main" xmlns="" id="{DA3B3542-21FA-CE4F-97EC-30221117B445}"/>
               </a:ext>
             </a:extLst>
           </p:cNvPr>
@@ -882,7 +871,7 @@
           <p:cNvPr id="3" name="Picture 2">
             <a:extLst>
               <a:ext uri="{FF2B5EF4-FFF2-40B4-BE49-F238E27FC236}">
-                <a16:creationId xmlns:a16="http://schemas.microsoft.com/office/drawing/2014/main" id="{DCFC36C6-822B-4F4E-9443-296E49B7FDEB}"/>
+                <a16:creationId xmlns:a16="http://schemas.microsoft.com/office/drawing/2014/main" xmlns="" id="{DCFC36C6-822B-4F4E-9443-296E49B7FDEB}"/>
               </a:ext>
             </a:extLst>
           </p:cNvPr>
@@ -2019,7 +2008,7 @@
           <p:cNvPr id="4" name="CuadroTexto 3">
             <a:extLst>
               <a:ext uri="{FF2B5EF4-FFF2-40B4-BE49-F238E27FC236}">
-                <a16:creationId xmlns:a16="http://schemas.microsoft.com/office/drawing/2014/main" id="{84F97437-1C39-4492-9481-41905A5D636B}"/>
+                <a16:creationId xmlns:a16="http://schemas.microsoft.com/office/drawing/2014/main" xmlns="" id="{84F97437-1C39-4492-9481-41905A5D636B}"/>
               </a:ext>
             </a:extLst>
           </p:cNvPr>
@@ -2115,7 +2104,7 @@
           <p:cNvPr id="7" name="Imagen 4">
             <a:extLst>
               <a:ext uri="{FF2B5EF4-FFF2-40B4-BE49-F238E27FC236}">
-                <a16:creationId xmlns:a16="http://schemas.microsoft.com/office/drawing/2014/main" id="{D7D107A7-2A8B-4D2D-B501-4A16644F930B}"/>
+                <a16:creationId xmlns:a16="http://schemas.microsoft.com/office/drawing/2014/main" xmlns="" id="{D7D107A7-2A8B-4D2D-B501-4A16644F930B}"/>
               </a:ext>
             </a:extLst>
           </p:cNvPr>
@@ -2183,10 +2172,10 @@
       </p:grpSpPr>
       <p:sp>
         <p:nvSpPr>
-          <p:cNvPr id="5" name="CuadroTexto 4">
+          <p:cNvPr id="3" name="CuadroTexto 2">
             <a:extLst>
               <a:ext uri="{FF2B5EF4-FFF2-40B4-BE49-F238E27FC236}">
-                <a16:creationId xmlns:a16="http://schemas.microsoft.com/office/drawing/2014/main" id="{7FA7DC77-E4B0-4E5B-BF8B-A8ABF24C7E36}"/>
+                <a16:creationId xmlns:a16="http://schemas.microsoft.com/office/drawing/2014/main" xmlns="" id="{6BAD7125-0247-433D-8553-4599ED8BEF7F}"/>
               </a:ext>
             </a:extLst>
           </p:cNvPr>
@@ -2195,8 +2184,8 @@
         </p:nvSpPr>
         <p:spPr>
           <a:xfrm>
-            <a:off x="3189642" y="1561352"/>
-            <a:ext cx="3235701" cy="1200329"/>
+            <a:off x="2362200" y="1920359"/>
+            <a:ext cx="4572000" cy="523220"/>
           </a:xfrm>
           <a:prstGeom prst="rect">
             <a:avLst/>
@@ -2204,25 +2193,25 @@
           <a:noFill/>
         </p:spPr>
         <p:txBody>
-          <a:bodyPr wrap="square" rtlCol="0">
+          <a:bodyPr wrap="square">
             <a:spAutoFit/>
           </a:bodyPr>
           <a:lstStyle/>
           <a:p>
             <a:pPr algn="ctr"/>
             <a:r>
-              <a:rPr lang="es-ES" sz="3600" dirty="0"/>
-              <a:t>Diagrama de actividades</a:t>
+              <a:rPr lang="es-ES" sz="2800" dirty="0"/>
+              <a:t>DB</a:t>
             </a:r>
           </a:p>
         </p:txBody>
       </p:sp>
       <p:pic>
         <p:nvPicPr>
-          <p:cNvPr id="3" name="Imagen 4">
+          <p:cNvPr id="4" name="Imagen 4">
             <a:extLst>
               <a:ext uri="{FF2B5EF4-FFF2-40B4-BE49-F238E27FC236}">
-                <a16:creationId xmlns:a16="http://schemas.microsoft.com/office/drawing/2014/main" id="{D7D107A7-2A8B-4D2D-B501-4A16644F930B}"/>
+                <a16:creationId xmlns:a16="http://schemas.microsoft.com/office/drawing/2014/main" xmlns="" id="{281E2931-3C46-4FC5-80A9-F7547EB4CB55}"/>
               </a:ext>
             </a:extLst>
           </p:cNvPr>
@@ -2250,7 +2239,7 @@
         </p:blipFill>
         <p:spPr>
           <a:xfrm>
-            <a:off x="8172058" y="4010545"/>
+            <a:off x="8115977" y="3944326"/>
             <a:ext cx="833718" cy="877422"/>
           </a:xfrm>
           <a:prstGeom prst="rect">
@@ -2261,7 +2250,7 @@
     </p:spTree>
     <p:extLst>
       <p:ext uri="{BB962C8B-B14F-4D97-AF65-F5344CB8AC3E}">
-        <p14:creationId xmlns:p14="http://schemas.microsoft.com/office/powerpoint/2010/main" val="1744982659"/>
+        <p14:creationId xmlns:p14="http://schemas.microsoft.com/office/powerpoint/2010/main" val="3500631318"/>
       </p:ext>
     </p:extLst>
   </p:cSld>
@@ -2288,214 +2277,12 @@
           <a:chExt cx="0" cy="0"/>
         </a:xfrm>
       </p:grpSpPr>
-      <p:pic>
-        <p:nvPicPr>
-          <p:cNvPr id="2" name="Imagen 4">
+      <p:sp>
+        <p:nvSpPr>
+          <p:cNvPr id="5" name="CuadroTexto 4">
             <a:extLst>
               <a:ext uri="{FF2B5EF4-FFF2-40B4-BE49-F238E27FC236}">
-                <a16:creationId xmlns:a16="http://schemas.microsoft.com/office/drawing/2014/main" id="{4DD4C6FC-3EA5-4048-84E0-B6BF906C8FB3}"/>
-              </a:ext>
-            </a:extLst>
-          </p:cNvPr>
-          <p:cNvPicPr>
-            <a:picLocks noChangeAspect="1"/>
-          </p:cNvPicPr>
-          <p:nvPr/>
-        </p:nvPicPr>
-        <p:blipFill rotWithShape="1">
-          <a:blip r:embed="rId2">
-            <a:extLst>
-              <a:ext uri="{BEBA8EAE-BF5A-486C-A8C5-ECC9F3942E4B}">
-                <a14:imgProps xmlns:a14="http://schemas.microsoft.com/office/drawing/2010/main">
-                  <a14:imgLayer r:embed="rId3">
-                    <a14:imgEffect>
-                      <a14:backgroundRemoval t="9800" b="56400" l="26400" r="72000"/>
-                    </a14:imgEffect>
-                  </a14:imgLayer>
-                </a14:imgProps>
-              </a:ext>
-            </a:extLst>
-          </a:blip>
-          <a:srcRect l="25432" t="10872" r="29339" b="41525"/>
-          <a:stretch/>
-        </p:blipFill>
-        <p:spPr>
-          <a:xfrm>
-            <a:off x="7903326" y="3894931"/>
-            <a:ext cx="833718" cy="877422"/>
-          </a:xfrm>
-          <a:prstGeom prst="rect">
-            <a:avLst/>
-          </a:prstGeom>
-        </p:spPr>
-      </p:pic>
-      <p:pic>
-        <p:nvPicPr>
-          <p:cNvPr id="5" name="Imagen 3">
-            <a:extLst>
-              <a:ext uri="{FF2B5EF4-FFF2-40B4-BE49-F238E27FC236}">
-                <a16:creationId xmlns:a16="http://schemas.microsoft.com/office/drawing/2014/main" id="{74DCEC77-DFA0-441C-AB8E-F63BECB95AB9}"/>
-              </a:ext>
-            </a:extLst>
-          </p:cNvPr>
-          <p:cNvPicPr>
-            <a:picLocks noChangeAspect="1"/>
-          </p:cNvPicPr>
-          <p:nvPr/>
-        </p:nvPicPr>
-        <p:blipFill>
-          <a:blip r:embed="rId4"/>
-          <a:stretch>
-            <a:fillRect/>
-          </a:stretch>
-        </p:blipFill>
-        <p:spPr>
-          <a:xfrm>
-            <a:off x="754912" y="123825"/>
-            <a:ext cx="6666614" cy="5019675"/>
-          </a:xfrm>
-          <a:prstGeom prst="rect">
-            <a:avLst/>
-          </a:prstGeom>
-        </p:spPr>
-      </p:pic>
-    </p:spTree>
-    <p:extLst>
-      <p:ext uri="{BB962C8B-B14F-4D97-AF65-F5344CB8AC3E}">
-        <p14:creationId xmlns:p14="http://schemas.microsoft.com/office/powerpoint/2010/main" val="79091987"/>
-      </p:ext>
-    </p:extLst>
-  </p:cSld>
-  <p:clrMapOvr>
-    <a:masterClrMapping/>
-  </p:clrMapOvr>
-</p:sld>
-</file>
-
-<file path=ppt/slides/slide12.xml><?xml version="1.0" encoding="utf-8"?>
-<p:sld xmlns:a="http://schemas.openxmlformats.org/drawingml/2006/main" xmlns:r="http://schemas.openxmlformats.org/officeDocument/2006/relationships" xmlns:p="http://schemas.openxmlformats.org/presentationml/2006/main">
-  <p:cSld>
-    <p:spTree>
-      <p:nvGrpSpPr>
-        <p:cNvPr id="1" name=""/>
-        <p:cNvGrpSpPr/>
-        <p:nvPr/>
-      </p:nvGrpSpPr>
-      <p:grpSpPr>
-        <a:xfrm>
-          <a:off x="0" y="0"/>
-          <a:ext cx="0" cy="0"/>
-          <a:chOff x="0" y="0"/>
-          <a:chExt cx="0" cy="0"/>
-        </a:xfrm>
-      </p:grpSpPr>
-      <p:pic>
-        <p:nvPicPr>
-          <p:cNvPr id="2" name="Imagen 4">
-            <a:extLst>
-              <a:ext uri="{FF2B5EF4-FFF2-40B4-BE49-F238E27FC236}">
-                <a16:creationId xmlns:a16="http://schemas.microsoft.com/office/drawing/2014/main" id="{23387B69-89D0-4519-BDAC-18A25370F693}"/>
-              </a:ext>
-            </a:extLst>
-          </p:cNvPr>
-          <p:cNvPicPr>
-            <a:picLocks noChangeAspect="1"/>
-          </p:cNvPicPr>
-          <p:nvPr/>
-        </p:nvPicPr>
-        <p:blipFill rotWithShape="1">
-          <a:blip r:embed="rId2">
-            <a:extLst>
-              <a:ext uri="{BEBA8EAE-BF5A-486C-A8C5-ECC9F3942E4B}">
-                <a14:imgProps xmlns:a14="http://schemas.microsoft.com/office/drawing/2010/main">
-                  <a14:imgLayer r:embed="rId3">
-                    <a14:imgEffect>
-                      <a14:backgroundRemoval t="9800" b="56400" l="26400" r="72000"/>
-                    </a14:imgEffect>
-                  </a14:imgLayer>
-                </a14:imgProps>
-              </a:ext>
-            </a:extLst>
-          </a:blip>
-          <a:srcRect l="25432" t="10872" r="29339" b="41525"/>
-          <a:stretch/>
-        </p:blipFill>
-        <p:spPr>
-          <a:xfrm>
-            <a:off x="7903326" y="3894931"/>
-            <a:ext cx="833718" cy="877422"/>
-          </a:xfrm>
-          <a:prstGeom prst="rect">
-            <a:avLst/>
-          </a:prstGeom>
-        </p:spPr>
-      </p:pic>
-      <p:pic>
-        <p:nvPicPr>
-          <p:cNvPr id="4" name="Imagen 3">
-            <a:extLst>
-              <a:ext uri="{FF2B5EF4-FFF2-40B4-BE49-F238E27FC236}">
-                <a16:creationId xmlns:a16="http://schemas.microsoft.com/office/drawing/2014/main" id="{A3FF88C7-7027-4E1C-99F3-F4F26E4FC3E8}"/>
-              </a:ext>
-            </a:extLst>
-          </p:cNvPr>
-          <p:cNvPicPr>
-            <a:picLocks noChangeAspect="1"/>
-          </p:cNvPicPr>
-          <p:nvPr/>
-        </p:nvPicPr>
-        <p:blipFill>
-          <a:blip r:embed="rId4"/>
-          <a:stretch>
-            <a:fillRect/>
-          </a:stretch>
-        </p:blipFill>
-        <p:spPr>
-          <a:xfrm>
-            <a:off x="0" y="217344"/>
-            <a:ext cx="7406890" cy="4555009"/>
-          </a:xfrm>
-          <a:prstGeom prst="rect">
-            <a:avLst/>
-          </a:prstGeom>
-        </p:spPr>
-      </p:pic>
-    </p:spTree>
-    <p:extLst>
-      <p:ext uri="{BB962C8B-B14F-4D97-AF65-F5344CB8AC3E}">
-        <p14:creationId xmlns:p14="http://schemas.microsoft.com/office/powerpoint/2010/main" val="3435950920"/>
-      </p:ext>
-    </p:extLst>
-  </p:cSld>
-  <p:clrMapOvr>
-    <a:masterClrMapping/>
-  </p:clrMapOvr>
-</p:sld>
-</file>
-
-<file path=ppt/slides/slide13.xml><?xml version="1.0" encoding="utf-8"?>
-<p:sld xmlns:a="http://schemas.openxmlformats.org/drawingml/2006/main" xmlns:r="http://schemas.openxmlformats.org/officeDocument/2006/relationships" xmlns:p="http://schemas.openxmlformats.org/presentationml/2006/main">
-  <p:cSld>
-    <p:spTree>
-      <p:nvGrpSpPr>
-        <p:cNvPr id="1" name=""/>
-        <p:cNvGrpSpPr/>
-        <p:nvPr/>
-      </p:nvGrpSpPr>
-      <p:grpSpPr>
-        <a:xfrm>
-          <a:off x="0" y="0"/>
-          <a:ext cx="0" cy="0"/>
-          <a:chOff x="0" y="0"/>
-          <a:chExt cx="0" cy="0"/>
-        </a:xfrm>
-      </p:grpSpPr>
-      <p:sp>
-        <p:nvSpPr>
-          <p:cNvPr id="5" name="CuadroTexto 4">
-            <a:extLst>
-              <a:ext uri="{FF2B5EF4-FFF2-40B4-BE49-F238E27FC236}">
-                <a16:creationId xmlns:a16="http://schemas.microsoft.com/office/drawing/2014/main" id="{7FA7DC77-E4B0-4E5B-BF8B-A8ABF24C7E36}"/>
+                <a16:creationId xmlns:a16="http://schemas.microsoft.com/office/drawing/2014/main" xmlns="" id="{7FA7DC77-E4B0-4E5B-BF8B-A8ABF24C7E36}"/>
               </a:ext>
             </a:extLst>
           </p:cNvPr>
@@ -2504,8 +2291,8 @@
         </p:nvSpPr>
         <p:spPr>
           <a:xfrm>
-            <a:off x="3189642" y="1561352"/>
-            <a:ext cx="3235701" cy="1200329"/>
+            <a:off x="3062642" y="1561352"/>
+            <a:ext cx="3235701" cy="646331"/>
           </a:xfrm>
           <a:prstGeom prst="rect">
             <a:avLst/>
@@ -2521,7 +2308,7 @@
             <a:pPr algn="ctr"/>
             <a:r>
               <a:rPr lang="es-ES" sz="3600" dirty="0"/>
-              <a:t>Diagrama de clases</a:t>
+              <a:t>Interfaces </a:t>
             </a:r>
           </a:p>
         </p:txBody>
@@ -2531,1296 +2318,7 @@
           <p:cNvPr id="3" name="Imagen 4">
             <a:extLst>
               <a:ext uri="{FF2B5EF4-FFF2-40B4-BE49-F238E27FC236}">
-                <a16:creationId xmlns:a16="http://schemas.microsoft.com/office/drawing/2014/main" id="{D7D107A7-2A8B-4D2D-B501-4A16644F930B}"/>
-              </a:ext>
-            </a:extLst>
-          </p:cNvPr>
-          <p:cNvPicPr>
-            <a:picLocks noChangeAspect="1"/>
-          </p:cNvPicPr>
-          <p:nvPr/>
-        </p:nvPicPr>
-        <p:blipFill rotWithShape="1">
-          <a:blip r:embed="rId2">
-            <a:extLst>
-              <a:ext uri="{BEBA8EAE-BF5A-486C-A8C5-ECC9F3942E4B}">
-                <a14:imgProps xmlns:a14="http://schemas.microsoft.com/office/drawing/2010/main">
-                  <a14:imgLayer r:embed="rId3">
-                    <a14:imgEffect>
-                      <a14:backgroundRemoval t="9800" b="56400" l="26400" r="72000"/>
-                    </a14:imgEffect>
-                  </a14:imgLayer>
-                </a14:imgProps>
-              </a:ext>
-            </a:extLst>
-          </a:blip>
-          <a:srcRect l="25432" t="10872" r="29339" b="41525"/>
-          <a:stretch/>
-        </p:blipFill>
-        <p:spPr>
-          <a:xfrm>
-            <a:off x="8126610" y="4008121"/>
-            <a:ext cx="833718" cy="877422"/>
-          </a:xfrm>
-          <a:prstGeom prst="rect">
-            <a:avLst/>
-          </a:prstGeom>
-        </p:spPr>
-      </p:pic>
-    </p:spTree>
-    <p:extLst>
-      <p:ext uri="{BB962C8B-B14F-4D97-AF65-F5344CB8AC3E}">
-        <p14:creationId xmlns:p14="http://schemas.microsoft.com/office/powerpoint/2010/main" val="3584406659"/>
-      </p:ext>
-    </p:extLst>
-  </p:cSld>
-  <p:clrMapOvr>
-    <a:masterClrMapping/>
-  </p:clrMapOvr>
-</p:sld>
-</file>
-
-<file path=ppt/slides/slide14.xml><?xml version="1.0" encoding="utf-8"?>
-<p:sld xmlns:a="http://schemas.openxmlformats.org/drawingml/2006/main" xmlns:r="http://schemas.openxmlformats.org/officeDocument/2006/relationships" xmlns:p="http://schemas.openxmlformats.org/presentationml/2006/main">
-  <p:cSld>
-    <p:spTree>
-      <p:nvGrpSpPr>
-        <p:cNvPr id="1" name=""/>
-        <p:cNvGrpSpPr/>
-        <p:nvPr/>
-      </p:nvGrpSpPr>
-      <p:grpSpPr>
-        <a:xfrm>
-          <a:off x="0" y="0"/>
-          <a:ext cx="0" cy="0"/>
-          <a:chOff x="0" y="0"/>
-          <a:chExt cx="0" cy="0"/>
-        </a:xfrm>
-      </p:grpSpPr>
-      <p:pic>
-        <p:nvPicPr>
-          <p:cNvPr id="2" name="Imagen 4">
-            <a:extLst>
-              <a:ext uri="{FF2B5EF4-FFF2-40B4-BE49-F238E27FC236}">
-                <a16:creationId xmlns:a16="http://schemas.microsoft.com/office/drawing/2014/main" id="{6BD0B999-55BF-462C-8DA1-7BF31C6EE8CB}"/>
-              </a:ext>
-            </a:extLst>
-          </p:cNvPr>
-          <p:cNvPicPr>
-            <a:picLocks noChangeAspect="1"/>
-          </p:cNvPicPr>
-          <p:nvPr/>
-        </p:nvPicPr>
-        <p:blipFill rotWithShape="1">
-          <a:blip r:embed="rId2">
-            <a:extLst>
-              <a:ext uri="{BEBA8EAE-BF5A-486C-A8C5-ECC9F3942E4B}">
-                <a14:imgProps xmlns:a14="http://schemas.microsoft.com/office/drawing/2010/main">
-                  <a14:imgLayer r:embed="rId3">
-                    <a14:imgEffect>
-                      <a14:backgroundRemoval t="9800" b="56400" l="26400" r="72000"/>
-                    </a14:imgEffect>
-                  </a14:imgLayer>
-                </a14:imgProps>
-              </a:ext>
-            </a:extLst>
-          </a:blip>
-          <a:srcRect l="25432" t="10872" r="29339" b="41525"/>
-          <a:stretch/>
-        </p:blipFill>
-        <p:spPr>
-          <a:xfrm>
-            <a:off x="8172058" y="4010545"/>
-            <a:ext cx="833718" cy="877422"/>
-          </a:xfrm>
-          <a:prstGeom prst="rect">
-            <a:avLst/>
-          </a:prstGeom>
-        </p:spPr>
-      </p:pic>
-      <p:sp>
-        <p:nvSpPr>
-          <p:cNvPr id="3" name="AutoShape 2" descr="blob:https://web.whatsapp.com/d9b0dc94-1e31-4ed5-be58-a692941b23c0"/>
-          <p:cNvSpPr>
-            <a:spLocks noChangeAspect="1" noChangeArrowheads="1"/>
-          </p:cNvSpPr>
-          <p:nvPr/>
-        </p:nvSpPr>
-        <p:spPr bwMode="auto">
-          <a:xfrm>
-            <a:off x="155575" y="-144463"/>
-            <a:ext cx="304800" cy="304801"/>
-          </a:xfrm>
-          <a:prstGeom prst="rect">
-            <a:avLst/>
-          </a:prstGeom>
-          <a:noFill/>
-          <a:extLst>
-            <a:ext uri="{909E8E84-426E-40DD-AFC4-6F175D3DCCD1}">
-              <a14:hiddenFill xmlns:a14="http://schemas.microsoft.com/office/drawing/2010/main">
-                <a:solidFill>
-                  <a:srgbClr val="FFFFFF"/>
-                </a:solidFill>
-              </a14:hiddenFill>
-            </a:ext>
-          </a:extLst>
-        </p:spPr>
-        <p:txBody>
-          <a:bodyPr vert="horz" wrap="square" lIns="91440" tIns="45720" rIns="91440" bIns="45720" numCol="1" anchor="t" anchorCtr="0" compatLnSpc="1">
-            <a:prstTxWarp prst="textNoShape">
-              <a:avLst/>
-            </a:prstTxWarp>
-          </a:bodyPr>
-          <a:lstStyle/>
-          <a:p>
-            <a:endParaRPr lang="es-CO"/>
-          </a:p>
-        </p:txBody>
-      </p:sp>
-      <p:sp>
-        <p:nvSpPr>
-          <p:cNvPr id="5" name="AutoShape 4" descr="blob:https://web.whatsapp.com/d9b0dc94-1e31-4ed5-be58-a692941b23c0"/>
-          <p:cNvSpPr>
-            <a:spLocks noChangeAspect="1" noChangeArrowheads="1"/>
-          </p:cNvSpPr>
-          <p:nvPr/>
-        </p:nvSpPr>
-        <p:spPr bwMode="auto">
-          <a:xfrm>
-            <a:off x="307975" y="7937"/>
-            <a:ext cx="304800" cy="304801"/>
-          </a:xfrm>
-          <a:prstGeom prst="rect">
-            <a:avLst/>
-          </a:prstGeom>
-          <a:noFill/>
-          <a:extLst>
-            <a:ext uri="{909E8E84-426E-40DD-AFC4-6F175D3DCCD1}">
-              <a14:hiddenFill xmlns:a14="http://schemas.microsoft.com/office/drawing/2010/main">
-                <a:solidFill>
-                  <a:srgbClr val="FFFFFF"/>
-                </a:solidFill>
-              </a14:hiddenFill>
-            </a:ext>
-          </a:extLst>
-        </p:spPr>
-        <p:txBody>
-          <a:bodyPr vert="horz" wrap="square" lIns="91440" tIns="45720" rIns="91440" bIns="45720" numCol="1" anchor="t" anchorCtr="0" compatLnSpc="1">
-            <a:prstTxWarp prst="textNoShape">
-              <a:avLst/>
-            </a:prstTxWarp>
-          </a:bodyPr>
-          <a:lstStyle/>
-          <a:p>
-            <a:endParaRPr lang="es-CO"/>
-          </a:p>
-        </p:txBody>
-      </p:sp>
-      <p:sp>
-        <p:nvSpPr>
-          <p:cNvPr id="6" name="AutoShape 6" descr="blob:https://web.whatsapp.com/d9b0dc94-1e31-4ed5-be58-a692941b23c0"/>
-          <p:cNvSpPr>
-            <a:spLocks noChangeAspect="1" noChangeArrowheads="1"/>
-          </p:cNvSpPr>
-          <p:nvPr/>
-        </p:nvSpPr>
-        <p:spPr bwMode="auto">
-          <a:xfrm>
-            <a:off x="460375" y="160337"/>
-            <a:ext cx="304800" cy="304801"/>
-          </a:xfrm>
-          <a:prstGeom prst="rect">
-            <a:avLst/>
-          </a:prstGeom>
-          <a:noFill/>
-          <a:extLst>
-            <a:ext uri="{909E8E84-426E-40DD-AFC4-6F175D3DCCD1}">
-              <a14:hiddenFill xmlns:a14="http://schemas.microsoft.com/office/drawing/2010/main">
-                <a:solidFill>
-                  <a:srgbClr val="FFFFFF"/>
-                </a:solidFill>
-              </a14:hiddenFill>
-            </a:ext>
-          </a:extLst>
-        </p:spPr>
-        <p:txBody>
-          <a:bodyPr vert="horz" wrap="square" lIns="91440" tIns="45720" rIns="91440" bIns="45720" numCol="1" anchor="t" anchorCtr="0" compatLnSpc="1">
-            <a:prstTxWarp prst="textNoShape">
-              <a:avLst/>
-            </a:prstTxWarp>
-          </a:bodyPr>
-          <a:lstStyle/>
-          <a:p>
-            <a:endParaRPr lang="es-CO"/>
-          </a:p>
-        </p:txBody>
-      </p:sp>
-      <p:pic>
-        <p:nvPicPr>
-          <p:cNvPr id="7" name="6 Imagen"/>
-          <p:cNvPicPr>
-            <a:picLocks noChangeAspect="1"/>
-          </p:cNvPicPr>
-          <p:nvPr/>
-        </p:nvPicPr>
-        <p:blipFill>
-          <a:blip r:embed="rId4">
-            <a:extLst>
-              <a:ext uri="{28A0092B-C50C-407E-A947-70E740481C1C}">
-                <a14:useLocalDpi xmlns:a14="http://schemas.microsoft.com/office/drawing/2010/main" val="0"/>
-              </a:ext>
-            </a:extLst>
-          </a:blip>
-          <a:stretch>
-            <a:fillRect/>
-          </a:stretch>
-        </p:blipFill>
-        <p:spPr>
-          <a:xfrm>
-            <a:off x="612776" y="7937"/>
-            <a:ext cx="7048920" cy="5143500"/>
-          </a:xfrm>
-          <a:prstGeom prst="rect">
-            <a:avLst/>
-          </a:prstGeom>
-        </p:spPr>
-      </p:pic>
-    </p:spTree>
-    <p:extLst>
-      <p:ext uri="{BB962C8B-B14F-4D97-AF65-F5344CB8AC3E}">
-        <p14:creationId xmlns:p14="http://schemas.microsoft.com/office/powerpoint/2010/main" val="501286835"/>
-      </p:ext>
-    </p:extLst>
-  </p:cSld>
-  <p:clrMapOvr>
-    <a:masterClrMapping/>
-  </p:clrMapOvr>
-</p:sld>
-</file>
-
-<file path=ppt/slides/slide15.xml><?xml version="1.0" encoding="utf-8"?>
-<p:sld xmlns:a="http://schemas.openxmlformats.org/drawingml/2006/main" xmlns:r="http://schemas.openxmlformats.org/officeDocument/2006/relationships" xmlns:p="http://schemas.openxmlformats.org/presentationml/2006/main">
-  <p:cSld>
-    <p:spTree>
-      <p:nvGrpSpPr>
-        <p:cNvPr id="1" name=""/>
-        <p:cNvGrpSpPr/>
-        <p:nvPr/>
-      </p:nvGrpSpPr>
-      <p:grpSpPr>
-        <a:xfrm>
-          <a:off x="0" y="0"/>
-          <a:ext cx="0" cy="0"/>
-          <a:chOff x="0" y="0"/>
-          <a:chExt cx="0" cy="0"/>
-        </a:xfrm>
-      </p:grpSpPr>
-      <p:sp>
-        <p:nvSpPr>
-          <p:cNvPr id="5" name="CuadroTexto 4">
-            <a:extLst>
-              <a:ext uri="{FF2B5EF4-FFF2-40B4-BE49-F238E27FC236}">
-                <a16:creationId xmlns:a16="http://schemas.microsoft.com/office/drawing/2014/main" id="{7FA7DC77-E4B0-4E5B-BF8B-A8ABF24C7E36}"/>
-              </a:ext>
-            </a:extLst>
-          </p:cNvPr>
-          <p:cNvSpPr txBox="1"/>
-          <p:nvPr/>
-        </p:nvSpPr>
-        <p:spPr>
-          <a:xfrm>
-            <a:off x="3062642" y="1561352"/>
-            <a:ext cx="3235701" cy="1200329"/>
-          </a:xfrm>
-          <a:prstGeom prst="rect">
-            <a:avLst/>
-          </a:prstGeom>
-          <a:noFill/>
-        </p:spPr>
-        <p:txBody>
-          <a:bodyPr wrap="square" rtlCol="0">
-            <a:spAutoFit/>
-          </a:bodyPr>
-          <a:lstStyle/>
-          <a:p>
-            <a:pPr algn="ctr"/>
-            <a:r>
-              <a:rPr lang="es-ES" sz="3600" dirty="0"/>
-              <a:t>Diccionario de datos</a:t>
-            </a:r>
-          </a:p>
-        </p:txBody>
-      </p:sp>
-      <p:pic>
-        <p:nvPicPr>
-          <p:cNvPr id="3" name="Imagen 4">
-            <a:extLst>
-              <a:ext uri="{FF2B5EF4-FFF2-40B4-BE49-F238E27FC236}">
-                <a16:creationId xmlns:a16="http://schemas.microsoft.com/office/drawing/2014/main" id="{D7D107A7-2A8B-4D2D-B501-4A16644F930B}"/>
-              </a:ext>
-            </a:extLst>
-          </p:cNvPr>
-          <p:cNvPicPr>
-            <a:picLocks noChangeAspect="1"/>
-          </p:cNvPicPr>
-          <p:nvPr/>
-        </p:nvPicPr>
-        <p:blipFill rotWithShape="1">
-          <a:blip r:embed="rId2">
-            <a:extLst>
-              <a:ext uri="{BEBA8EAE-BF5A-486C-A8C5-ECC9F3942E4B}">
-                <a14:imgProps xmlns:a14="http://schemas.microsoft.com/office/drawing/2010/main">
-                  <a14:imgLayer r:embed="rId3">
-                    <a14:imgEffect>
-                      <a14:backgroundRemoval t="9800" b="56400" l="26400" r="72000"/>
-                    </a14:imgEffect>
-                  </a14:imgLayer>
-                </a14:imgProps>
-              </a:ext>
-            </a:extLst>
-          </a:blip>
-          <a:srcRect l="25432" t="10872" r="29339" b="41525"/>
-          <a:stretch/>
-        </p:blipFill>
-        <p:spPr>
-          <a:xfrm>
-            <a:off x="8073447" y="3986856"/>
-            <a:ext cx="833718" cy="877422"/>
-          </a:xfrm>
-          <a:prstGeom prst="rect">
-            <a:avLst/>
-          </a:prstGeom>
-        </p:spPr>
-      </p:pic>
-    </p:spTree>
-    <p:extLst>
-      <p:ext uri="{BB962C8B-B14F-4D97-AF65-F5344CB8AC3E}">
-        <p14:creationId xmlns:p14="http://schemas.microsoft.com/office/powerpoint/2010/main" val="2348459811"/>
-      </p:ext>
-    </p:extLst>
-  </p:cSld>
-  <p:clrMapOvr>
-    <a:masterClrMapping/>
-  </p:clrMapOvr>
-</p:sld>
-</file>
-
-<file path=ppt/slides/slide16.xml><?xml version="1.0" encoding="utf-8"?>
-<p:sld xmlns:a="http://schemas.openxmlformats.org/drawingml/2006/main" xmlns:r="http://schemas.openxmlformats.org/officeDocument/2006/relationships" xmlns:p="http://schemas.openxmlformats.org/presentationml/2006/main">
-  <p:cSld>
-    <p:spTree>
-      <p:nvGrpSpPr>
-        <p:cNvPr id="1" name=""/>
-        <p:cNvGrpSpPr/>
-        <p:nvPr/>
-      </p:nvGrpSpPr>
-      <p:grpSpPr>
-        <a:xfrm>
-          <a:off x="0" y="0"/>
-          <a:ext cx="0" cy="0"/>
-          <a:chOff x="0" y="0"/>
-          <a:chExt cx="0" cy="0"/>
-        </a:xfrm>
-      </p:grpSpPr>
-      <p:sp>
-        <p:nvSpPr>
-          <p:cNvPr id="5" name="CuadroTexto 4">
-            <a:extLst>
-              <a:ext uri="{FF2B5EF4-FFF2-40B4-BE49-F238E27FC236}">
-                <a16:creationId xmlns:a16="http://schemas.microsoft.com/office/drawing/2014/main" id="{7FA7DC77-E4B0-4E5B-BF8B-A8ABF24C7E36}"/>
-              </a:ext>
-            </a:extLst>
-          </p:cNvPr>
-          <p:cNvSpPr txBox="1"/>
-          <p:nvPr/>
-        </p:nvSpPr>
-        <p:spPr>
-          <a:xfrm>
-            <a:off x="2381693" y="1561352"/>
-            <a:ext cx="4216331" cy="1200329"/>
-          </a:xfrm>
-          <a:prstGeom prst="rect">
-            <a:avLst/>
-          </a:prstGeom>
-          <a:noFill/>
-        </p:spPr>
-        <p:txBody>
-          <a:bodyPr wrap="square" rtlCol="0">
-            <a:spAutoFit/>
-          </a:bodyPr>
-          <a:lstStyle/>
-          <a:p>
-            <a:pPr algn="ctr"/>
-            <a:r>
-              <a:rPr lang="es-ES" sz="3600" dirty="0"/>
-              <a:t>Modelo entidad-relación</a:t>
-            </a:r>
-          </a:p>
-        </p:txBody>
-      </p:sp>
-      <p:pic>
-        <p:nvPicPr>
-          <p:cNvPr id="3" name="Imagen 4">
-            <a:extLst>
-              <a:ext uri="{FF2B5EF4-FFF2-40B4-BE49-F238E27FC236}">
-                <a16:creationId xmlns:a16="http://schemas.microsoft.com/office/drawing/2014/main" id="{D7D107A7-2A8B-4D2D-B501-4A16644F930B}"/>
-              </a:ext>
-            </a:extLst>
-          </p:cNvPr>
-          <p:cNvPicPr>
-            <a:picLocks noChangeAspect="1"/>
-          </p:cNvPicPr>
-          <p:nvPr/>
-        </p:nvPicPr>
-        <p:blipFill rotWithShape="1">
-          <a:blip r:embed="rId2">
-            <a:extLst>
-              <a:ext uri="{BEBA8EAE-BF5A-486C-A8C5-ECC9F3942E4B}">
-                <a14:imgProps xmlns:a14="http://schemas.microsoft.com/office/drawing/2010/main">
-                  <a14:imgLayer r:embed="rId3">
-                    <a14:imgEffect>
-                      <a14:backgroundRemoval t="9800" b="56400" l="26400" r="72000"/>
-                    </a14:imgEffect>
-                  </a14:imgLayer>
-                </a14:imgProps>
-              </a:ext>
-            </a:extLst>
-          </a:blip>
-          <a:srcRect l="25432" t="10872" r="29339" b="41525"/>
-          <a:stretch/>
-        </p:blipFill>
-        <p:spPr>
-          <a:xfrm>
-            <a:off x="8009652" y="4018754"/>
-            <a:ext cx="833718" cy="877422"/>
-          </a:xfrm>
-          <a:prstGeom prst="rect">
-            <a:avLst/>
-          </a:prstGeom>
-        </p:spPr>
-      </p:pic>
-    </p:spTree>
-    <p:extLst>
-      <p:ext uri="{BB962C8B-B14F-4D97-AF65-F5344CB8AC3E}">
-        <p14:creationId xmlns:p14="http://schemas.microsoft.com/office/powerpoint/2010/main" val="1626291330"/>
-      </p:ext>
-    </p:extLst>
-  </p:cSld>
-  <p:clrMapOvr>
-    <a:masterClrMapping/>
-  </p:clrMapOvr>
-</p:sld>
-</file>
-
-<file path=ppt/slides/slide17.xml><?xml version="1.0" encoding="utf-8"?>
-<p:sld xmlns:a="http://schemas.openxmlformats.org/drawingml/2006/main" xmlns:r="http://schemas.openxmlformats.org/officeDocument/2006/relationships" xmlns:p="http://schemas.openxmlformats.org/presentationml/2006/main">
-  <p:cSld>
-    <p:spTree>
-      <p:nvGrpSpPr>
-        <p:cNvPr id="1" name=""/>
-        <p:cNvGrpSpPr/>
-        <p:nvPr/>
-      </p:nvGrpSpPr>
-      <p:grpSpPr>
-        <a:xfrm>
-          <a:off x="0" y="0"/>
-          <a:ext cx="0" cy="0"/>
-          <a:chOff x="0" y="0"/>
-          <a:chExt cx="0" cy="0"/>
-        </a:xfrm>
-      </p:grpSpPr>
-      <p:pic>
-        <p:nvPicPr>
-          <p:cNvPr id="2" name="Imagen 4">
-            <a:extLst>
-              <a:ext uri="{FF2B5EF4-FFF2-40B4-BE49-F238E27FC236}">
-                <a16:creationId xmlns:a16="http://schemas.microsoft.com/office/drawing/2014/main" id="{AB17C64F-A1BB-467E-89F8-A8A059295FF1}"/>
-              </a:ext>
-            </a:extLst>
-          </p:cNvPr>
-          <p:cNvPicPr>
-            <a:picLocks noChangeAspect="1"/>
-          </p:cNvPicPr>
-          <p:nvPr/>
-        </p:nvPicPr>
-        <p:blipFill rotWithShape="1">
-          <a:blip r:embed="rId2">
-            <a:extLst>
-              <a:ext uri="{BEBA8EAE-BF5A-486C-A8C5-ECC9F3942E4B}">
-                <a14:imgProps xmlns:a14="http://schemas.microsoft.com/office/drawing/2010/main">
-                  <a14:imgLayer r:embed="rId3">
-                    <a14:imgEffect>
-                      <a14:backgroundRemoval t="9800" b="56400" l="26400" r="72000"/>
-                    </a14:imgEffect>
-                  </a14:imgLayer>
-                </a14:imgProps>
-              </a:ext>
-            </a:extLst>
-          </a:blip>
-          <a:srcRect l="25432" t="10872" r="29339" b="41525"/>
-          <a:stretch/>
-        </p:blipFill>
-        <p:spPr>
-          <a:xfrm>
-            <a:off x="8172058" y="4010545"/>
-            <a:ext cx="833718" cy="877422"/>
-          </a:xfrm>
-          <a:prstGeom prst="rect">
-            <a:avLst/>
-          </a:prstGeom>
-        </p:spPr>
-      </p:pic>
-      <p:sp>
-        <p:nvSpPr>
-          <p:cNvPr id="3" name="AutoShape 2" descr="blob:https://web.whatsapp.com/2067556f-0704-4239-8e86-5ae92ba386f9"/>
-          <p:cNvSpPr>
-            <a:spLocks noChangeAspect="1" noChangeArrowheads="1"/>
-          </p:cNvSpPr>
-          <p:nvPr/>
-        </p:nvSpPr>
-        <p:spPr bwMode="auto">
-          <a:xfrm>
-            <a:off x="155575" y="-144463"/>
-            <a:ext cx="304800" cy="304801"/>
-          </a:xfrm>
-          <a:prstGeom prst="rect">
-            <a:avLst/>
-          </a:prstGeom>
-          <a:noFill/>
-          <a:extLst>
-            <a:ext uri="{909E8E84-426E-40DD-AFC4-6F175D3DCCD1}">
-              <a14:hiddenFill xmlns:a14="http://schemas.microsoft.com/office/drawing/2010/main">
-                <a:solidFill>
-                  <a:srgbClr val="FFFFFF"/>
-                </a:solidFill>
-              </a14:hiddenFill>
-            </a:ext>
-          </a:extLst>
-        </p:spPr>
-        <p:txBody>
-          <a:bodyPr vert="horz" wrap="square" lIns="91440" tIns="45720" rIns="91440" bIns="45720" numCol="1" anchor="t" anchorCtr="0" compatLnSpc="1">
-            <a:prstTxWarp prst="textNoShape">
-              <a:avLst/>
-            </a:prstTxWarp>
-          </a:bodyPr>
-          <a:lstStyle/>
-          <a:p>
-            <a:endParaRPr lang="es-CO"/>
-          </a:p>
-        </p:txBody>
-      </p:sp>
-      <p:sp>
-        <p:nvSpPr>
-          <p:cNvPr id="6" name="AutoShape 4" descr="blob:https://web.whatsapp.com/2067556f-0704-4239-8e86-5ae92ba386f9"/>
-          <p:cNvSpPr>
-            <a:spLocks noChangeAspect="1" noChangeArrowheads="1"/>
-          </p:cNvSpPr>
-          <p:nvPr/>
-        </p:nvSpPr>
-        <p:spPr bwMode="auto">
-          <a:xfrm>
-            <a:off x="307975" y="7937"/>
-            <a:ext cx="304800" cy="304801"/>
-          </a:xfrm>
-          <a:prstGeom prst="rect">
-            <a:avLst/>
-          </a:prstGeom>
-          <a:noFill/>
-          <a:extLst>
-            <a:ext uri="{909E8E84-426E-40DD-AFC4-6F175D3DCCD1}">
-              <a14:hiddenFill xmlns:a14="http://schemas.microsoft.com/office/drawing/2010/main">
-                <a:solidFill>
-                  <a:srgbClr val="FFFFFF"/>
-                </a:solidFill>
-              </a14:hiddenFill>
-            </a:ext>
-          </a:extLst>
-        </p:spPr>
-        <p:txBody>
-          <a:bodyPr vert="horz" wrap="square" lIns="91440" tIns="45720" rIns="91440" bIns="45720" numCol="1" anchor="t" anchorCtr="0" compatLnSpc="1">
-            <a:prstTxWarp prst="textNoShape">
-              <a:avLst/>
-            </a:prstTxWarp>
-          </a:bodyPr>
-          <a:lstStyle/>
-          <a:p>
-            <a:endParaRPr lang="es-CO"/>
-          </a:p>
-        </p:txBody>
-      </p:sp>
-      <p:pic>
-        <p:nvPicPr>
-          <p:cNvPr id="7" name="6 Imagen"/>
-          <p:cNvPicPr>
-            <a:picLocks noChangeAspect="1"/>
-          </p:cNvPicPr>
-          <p:nvPr/>
-        </p:nvPicPr>
-        <p:blipFill>
-          <a:blip r:embed="rId4">
-            <a:extLst>
-              <a:ext uri="{28A0092B-C50C-407E-A947-70E740481C1C}">
-                <a14:useLocalDpi xmlns:a14="http://schemas.microsoft.com/office/drawing/2010/main" val="0"/>
-              </a:ext>
-            </a:extLst>
-          </a:blip>
-          <a:stretch>
-            <a:fillRect/>
-          </a:stretch>
-        </p:blipFill>
-        <p:spPr>
-          <a:xfrm>
-            <a:off x="1265275" y="0"/>
-            <a:ext cx="6826102" cy="5143500"/>
-          </a:xfrm>
-          <a:prstGeom prst="rect">
-            <a:avLst/>
-          </a:prstGeom>
-        </p:spPr>
-      </p:pic>
-    </p:spTree>
-    <p:extLst>
-      <p:ext uri="{BB962C8B-B14F-4D97-AF65-F5344CB8AC3E}">
-        <p14:creationId xmlns:p14="http://schemas.microsoft.com/office/powerpoint/2010/main" val="464153623"/>
-      </p:ext>
-    </p:extLst>
-  </p:cSld>
-  <p:clrMapOvr>
-    <a:masterClrMapping/>
-  </p:clrMapOvr>
-</p:sld>
-</file>
-
-<file path=ppt/slides/slide18.xml><?xml version="1.0" encoding="utf-8"?>
-<p:sld xmlns:a="http://schemas.openxmlformats.org/drawingml/2006/main" xmlns:r="http://schemas.openxmlformats.org/officeDocument/2006/relationships" xmlns:p="http://schemas.openxmlformats.org/presentationml/2006/main">
-  <p:cSld>
-    <p:spTree>
-      <p:nvGrpSpPr>
-        <p:cNvPr id="1" name=""/>
-        <p:cNvGrpSpPr/>
-        <p:nvPr/>
-      </p:nvGrpSpPr>
-      <p:grpSpPr>
-        <a:xfrm>
-          <a:off x="0" y="0"/>
-          <a:ext cx="0" cy="0"/>
-          <a:chOff x="0" y="0"/>
-          <a:chExt cx="0" cy="0"/>
-        </a:xfrm>
-      </p:grpSpPr>
-      <p:sp>
-        <p:nvSpPr>
-          <p:cNvPr id="5" name="CuadroTexto 4">
-            <a:extLst>
-              <a:ext uri="{FF2B5EF4-FFF2-40B4-BE49-F238E27FC236}">
-                <a16:creationId xmlns:a16="http://schemas.microsoft.com/office/drawing/2014/main" id="{7FA7DC77-E4B0-4E5B-BF8B-A8ABF24C7E36}"/>
-              </a:ext>
-            </a:extLst>
-          </p:cNvPr>
-          <p:cNvSpPr txBox="1"/>
-          <p:nvPr/>
-        </p:nvSpPr>
-        <p:spPr>
-          <a:xfrm>
-            <a:off x="3176940" y="1623043"/>
-            <a:ext cx="3660887" cy="646331"/>
-          </a:xfrm>
-          <a:prstGeom prst="rect">
-            <a:avLst/>
-          </a:prstGeom>
-          <a:noFill/>
-        </p:spPr>
-        <p:txBody>
-          <a:bodyPr wrap="square" rtlCol="0">
-            <a:spAutoFit/>
-          </a:bodyPr>
-          <a:lstStyle/>
-          <a:p>
-            <a:pPr algn="ctr"/>
-            <a:r>
-              <a:rPr lang="es-ES" sz="3600" dirty="0"/>
-              <a:t>Modelo relacional</a:t>
-            </a:r>
-          </a:p>
-        </p:txBody>
-      </p:sp>
-      <p:pic>
-        <p:nvPicPr>
-          <p:cNvPr id="3" name="Imagen 4">
-            <a:extLst>
-              <a:ext uri="{FF2B5EF4-FFF2-40B4-BE49-F238E27FC236}">
-                <a16:creationId xmlns:a16="http://schemas.microsoft.com/office/drawing/2014/main" id="{D7D107A7-2A8B-4D2D-B501-4A16644F930B}"/>
-              </a:ext>
-            </a:extLst>
-          </p:cNvPr>
-          <p:cNvPicPr>
-            <a:picLocks noChangeAspect="1"/>
-          </p:cNvPicPr>
-          <p:nvPr/>
-        </p:nvPicPr>
-        <p:blipFill rotWithShape="1">
-          <a:blip r:embed="rId2">
-            <a:extLst>
-              <a:ext uri="{BEBA8EAE-BF5A-486C-A8C5-ECC9F3942E4B}">
-                <a14:imgProps xmlns:a14="http://schemas.microsoft.com/office/drawing/2010/main">
-                  <a14:imgLayer r:embed="rId3">
-                    <a14:imgEffect>
-                      <a14:backgroundRemoval t="9800" b="56400" l="26400" r="72000"/>
-                    </a14:imgEffect>
-                  </a14:imgLayer>
-                </a14:imgProps>
-              </a:ext>
-            </a:extLst>
-          </a:blip>
-          <a:srcRect l="25432" t="10872" r="29339" b="41525"/>
-          <a:stretch/>
-        </p:blipFill>
-        <p:spPr>
-          <a:xfrm>
-            <a:off x="8115977" y="3944326"/>
-            <a:ext cx="833718" cy="877422"/>
-          </a:xfrm>
-          <a:prstGeom prst="rect">
-            <a:avLst/>
-          </a:prstGeom>
-        </p:spPr>
-      </p:pic>
-    </p:spTree>
-    <p:extLst>
-      <p:ext uri="{BB962C8B-B14F-4D97-AF65-F5344CB8AC3E}">
-        <p14:creationId xmlns:p14="http://schemas.microsoft.com/office/powerpoint/2010/main" val="1190559974"/>
-      </p:ext>
-    </p:extLst>
-  </p:cSld>
-  <p:clrMapOvr>
-    <a:masterClrMapping/>
-  </p:clrMapOvr>
-</p:sld>
-</file>
-
-<file path=ppt/slides/slide19.xml><?xml version="1.0" encoding="utf-8"?>
-<p:sld xmlns:a="http://schemas.openxmlformats.org/drawingml/2006/main" xmlns:r="http://schemas.openxmlformats.org/officeDocument/2006/relationships" xmlns:p="http://schemas.openxmlformats.org/presentationml/2006/main">
-  <p:cSld>
-    <p:spTree>
-      <p:nvGrpSpPr>
-        <p:cNvPr id="1" name=""/>
-        <p:cNvGrpSpPr/>
-        <p:nvPr/>
-      </p:nvGrpSpPr>
-      <p:grpSpPr>
-        <a:xfrm>
-          <a:off x="0" y="0"/>
-          <a:ext cx="0" cy="0"/>
-          <a:chOff x="0" y="0"/>
-          <a:chExt cx="0" cy="0"/>
-        </a:xfrm>
-      </p:grpSpPr>
-      <p:pic>
-        <p:nvPicPr>
-          <p:cNvPr id="2" name="Imagen 4">
-            <a:extLst>
-              <a:ext uri="{FF2B5EF4-FFF2-40B4-BE49-F238E27FC236}">
-                <a16:creationId xmlns:a16="http://schemas.microsoft.com/office/drawing/2014/main" id="{94F783D8-C3CE-48E1-A5AE-E0915A6629DA}"/>
-              </a:ext>
-            </a:extLst>
-          </p:cNvPr>
-          <p:cNvPicPr>
-            <a:picLocks noChangeAspect="1"/>
-          </p:cNvPicPr>
-          <p:nvPr/>
-        </p:nvPicPr>
-        <p:blipFill rotWithShape="1">
-          <a:blip r:embed="rId2">
-            <a:extLst>
-              <a:ext uri="{BEBA8EAE-BF5A-486C-A8C5-ECC9F3942E4B}">
-                <a14:imgProps xmlns:a14="http://schemas.microsoft.com/office/drawing/2010/main">
-                  <a14:imgLayer r:embed="rId3">
-                    <a14:imgEffect>
-                      <a14:backgroundRemoval t="9800" b="56400" l="26400" r="72000"/>
-                    </a14:imgEffect>
-                  </a14:imgLayer>
-                </a14:imgProps>
-              </a:ext>
-            </a:extLst>
-          </a:blip>
-          <a:srcRect l="25432" t="10872" r="29339" b="41525"/>
-          <a:stretch/>
-        </p:blipFill>
-        <p:spPr>
-          <a:xfrm>
-            <a:off x="8172058" y="4010545"/>
-            <a:ext cx="833718" cy="877422"/>
-          </a:xfrm>
-          <a:prstGeom prst="rect">
-            <a:avLst/>
-          </a:prstGeom>
-        </p:spPr>
-      </p:pic>
-      <p:pic>
-        <p:nvPicPr>
-          <p:cNvPr id="3" name="2 Imagen"/>
-          <p:cNvPicPr>
-            <a:picLocks noChangeAspect="1"/>
-          </p:cNvPicPr>
-          <p:nvPr/>
-        </p:nvPicPr>
-        <p:blipFill rotWithShape="1">
-          <a:blip r:embed="rId4">
-            <a:extLst>
-              <a:ext uri="{28A0092B-C50C-407E-A947-70E740481C1C}">
-                <a14:useLocalDpi xmlns:a14="http://schemas.microsoft.com/office/drawing/2010/main" val="0"/>
-              </a:ext>
-            </a:extLst>
-          </a:blip>
-          <a:srcRect l="10462" b="62249"/>
-          <a:stretch/>
-        </p:blipFill>
-        <p:spPr>
-          <a:xfrm>
-            <a:off x="1000125" y="247650"/>
-            <a:ext cx="6924675" cy="4640317"/>
-          </a:xfrm>
-          <a:prstGeom prst="rect">
-            <a:avLst/>
-          </a:prstGeom>
-        </p:spPr>
-      </p:pic>
-    </p:spTree>
-    <p:extLst>
-      <p:ext uri="{BB962C8B-B14F-4D97-AF65-F5344CB8AC3E}">
-        <p14:creationId xmlns:p14="http://schemas.microsoft.com/office/powerpoint/2010/main" val="1171232827"/>
-      </p:ext>
-    </p:extLst>
-  </p:cSld>
-  <p:clrMapOvr>
-    <a:masterClrMapping/>
-  </p:clrMapOvr>
-</p:sld>
-</file>
-
-<file path=ppt/slides/slide2.xml><?xml version="1.0" encoding="utf-8"?>
-<p:sld xmlns:a="http://schemas.openxmlformats.org/drawingml/2006/main" xmlns:r="http://schemas.openxmlformats.org/officeDocument/2006/relationships" xmlns:p="http://schemas.openxmlformats.org/presentationml/2006/main">
-  <p:cSld>
-    <p:spTree>
-      <p:nvGrpSpPr>
-        <p:cNvPr id="1" name=""/>
-        <p:cNvGrpSpPr/>
-        <p:nvPr/>
-      </p:nvGrpSpPr>
-      <p:grpSpPr>
-        <a:xfrm>
-          <a:off x="0" y="0"/>
-          <a:ext cx="0" cy="0"/>
-          <a:chOff x="0" y="0"/>
-          <a:chExt cx="0" cy="0"/>
-        </a:xfrm>
-      </p:grpSpPr>
-      <p:sp>
-        <p:nvSpPr>
-          <p:cNvPr id="2" name="CuadroTexto 3">
-            <a:extLst>
-              <a:ext uri="{FF2B5EF4-FFF2-40B4-BE49-F238E27FC236}">
-                <a16:creationId xmlns:a16="http://schemas.microsoft.com/office/drawing/2014/main" id="{84F97437-1C39-4492-9481-41905A5D636B}"/>
-              </a:ext>
-            </a:extLst>
-          </p:cNvPr>
-          <p:cNvSpPr txBox="1"/>
-          <p:nvPr/>
-        </p:nvSpPr>
-        <p:spPr>
-          <a:xfrm>
-            <a:off x="1550284" y="884753"/>
-            <a:ext cx="6193554" cy="461665"/>
-          </a:xfrm>
-          <a:prstGeom prst="rect">
-            <a:avLst/>
-          </a:prstGeom>
-          <a:noFill/>
-        </p:spPr>
-        <p:txBody>
-          <a:bodyPr wrap="square" rtlCol="0">
-            <a:spAutoFit/>
-          </a:bodyPr>
-          <a:lstStyle/>
-          <a:p>
-            <a:pPr algn="ctr"/>
-            <a:r>
-              <a:rPr lang="es-ES" sz="2400" b="1" dirty="0">
-                <a:solidFill>
-                  <a:schemeClr val="tx1">
-                    <a:lumMod val="75000"/>
-                    <a:lumOff val="25000"/>
-                  </a:schemeClr>
-                </a:solidFill>
-              </a:rPr>
-              <a:t>Argumentación del proyecto</a:t>
-            </a:r>
-          </a:p>
-        </p:txBody>
-      </p:sp>
-      <p:pic>
-        <p:nvPicPr>
-          <p:cNvPr id="3" name="Imagen 4">
-            <a:extLst>
-              <a:ext uri="{FF2B5EF4-FFF2-40B4-BE49-F238E27FC236}">
-                <a16:creationId xmlns:a16="http://schemas.microsoft.com/office/drawing/2014/main" id="{D7D107A7-2A8B-4D2D-B501-4A16644F930B}"/>
-              </a:ext>
-            </a:extLst>
-          </p:cNvPr>
-          <p:cNvPicPr>
-            <a:picLocks noChangeAspect="1"/>
-          </p:cNvPicPr>
-          <p:nvPr/>
-        </p:nvPicPr>
-        <p:blipFill rotWithShape="1">
-          <a:blip r:embed="rId2">
-            <a:extLst>
-              <a:ext uri="{BEBA8EAE-BF5A-486C-A8C5-ECC9F3942E4B}">
-                <a14:imgProps xmlns:a14="http://schemas.microsoft.com/office/drawing/2010/main">
-                  <a14:imgLayer r:embed="rId3">
-                    <a14:imgEffect>
-                      <a14:backgroundRemoval t="9800" b="56400" l="26400" r="72000"/>
-                    </a14:imgEffect>
-                  </a14:imgLayer>
-                </a14:imgProps>
-              </a:ext>
-            </a:extLst>
-          </a:blip>
-          <a:srcRect l="25432" t="10872" r="29339" b="41525"/>
-          <a:stretch/>
-        </p:blipFill>
-        <p:spPr>
-          <a:xfrm>
-            <a:off x="7743838" y="3742307"/>
-            <a:ext cx="833718" cy="877422"/>
-          </a:xfrm>
-          <a:prstGeom prst="rect">
-            <a:avLst/>
-          </a:prstGeom>
-        </p:spPr>
-      </p:pic>
-      <p:sp>
-        <p:nvSpPr>
-          <p:cNvPr id="5" name="CuadroTexto 3">
-            <a:extLst>
-              <a:ext uri="{FF2B5EF4-FFF2-40B4-BE49-F238E27FC236}">
-                <a16:creationId xmlns:a16="http://schemas.microsoft.com/office/drawing/2014/main" id="{84F97437-1C39-4492-9481-41905A5D636B}"/>
-              </a:ext>
-            </a:extLst>
-          </p:cNvPr>
-          <p:cNvSpPr txBox="1"/>
-          <p:nvPr/>
-        </p:nvSpPr>
-        <p:spPr>
-          <a:xfrm>
-            <a:off x="1875716" y="1495538"/>
-            <a:ext cx="6193554" cy="2246769"/>
-          </a:xfrm>
-          <a:prstGeom prst="rect">
-            <a:avLst/>
-          </a:prstGeom>
-          <a:noFill/>
-        </p:spPr>
-        <p:txBody>
-          <a:bodyPr wrap="square" rtlCol="0">
-            <a:spAutoFit/>
-          </a:bodyPr>
-          <a:lstStyle/>
-          <a:p>
-            <a:pPr algn="just"/>
-            <a:r>
-              <a:rPr lang="es-ES" sz="2000" dirty="0">
-                <a:solidFill>
-                  <a:schemeClr val="tx1">
-                    <a:lumMod val="75000"/>
-                    <a:lumOff val="25000"/>
-                  </a:schemeClr>
-                </a:solidFill>
-              </a:rPr>
-              <a:t>Math Macth surge de una problemática encontrada a nivel nacional que hace énfasis en que la asignatura que presenta más porcentaje de perdida es la de matemáticas y aún mas en grados superiores que esta aumenta su complejidad, debido a esto surge este proyecto, que se encargara de implementar de una manera más lúdica las matemáticas. </a:t>
-            </a:r>
-          </a:p>
-        </p:txBody>
-      </p:sp>
-    </p:spTree>
-    <p:extLst>
-      <p:ext uri="{BB962C8B-B14F-4D97-AF65-F5344CB8AC3E}">
-        <p14:creationId xmlns:p14="http://schemas.microsoft.com/office/powerpoint/2010/main" val="2817361822"/>
-      </p:ext>
-    </p:extLst>
-  </p:cSld>
-  <p:clrMapOvr>
-    <a:masterClrMapping/>
-  </p:clrMapOvr>
-</p:sld>
-</file>
-
-<file path=ppt/slides/slide20.xml><?xml version="1.0" encoding="utf-8"?>
-<p:sld xmlns:a="http://schemas.openxmlformats.org/drawingml/2006/main" xmlns:r="http://schemas.openxmlformats.org/officeDocument/2006/relationships" xmlns:p="http://schemas.openxmlformats.org/presentationml/2006/main">
-  <p:cSld>
-    <p:spTree>
-      <p:nvGrpSpPr>
-        <p:cNvPr id="1" name=""/>
-        <p:cNvGrpSpPr/>
-        <p:nvPr/>
-      </p:nvGrpSpPr>
-      <p:grpSpPr>
-        <a:xfrm>
-          <a:off x="0" y="0"/>
-          <a:ext cx="0" cy="0"/>
-          <a:chOff x="0" y="0"/>
-          <a:chExt cx="0" cy="0"/>
-        </a:xfrm>
-      </p:grpSpPr>
-      <p:sp>
-        <p:nvSpPr>
-          <p:cNvPr id="2" name="1 CuadroTexto"/>
-          <p:cNvSpPr txBox="1"/>
-          <p:nvPr/>
-        </p:nvSpPr>
-        <p:spPr>
-          <a:xfrm>
-            <a:off x="3476625" y="1838324"/>
-            <a:ext cx="2257425" cy="461665"/>
-          </a:xfrm>
-          <a:prstGeom prst="rect">
-            <a:avLst/>
-          </a:prstGeom>
-          <a:noFill/>
-        </p:spPr>
-        <p:txBody>
-          <a:bodyPr wrap="square" rtlCol="0">
-            <a:spAutoFit/>
-          </a:bodyPr>
-          <a:lstStyle/>
-          <a:p>
-            <a:r>
-              <a:rPr lang="es-CO" sz="2400" dirty="0"/>
-              <a:t>Casos de prueba</a:t>
-            </a:r>
-          </a:p>
-        </p:txBody>
-      </p:sp>
-      <p:pic>
-        <p:nvPicPr>
-          <p:cNvPr id="3" name="Imagen 4">
-            <a:extLst>
-              <a:ext uri="{FF2B5EF4-FFF2-40B4-BE49-F238E27FC236}">
-                <a16:creationId xmlns:a16="http://schemas.microsoft.com/office/drawing/2014/main" id="{94F783D8-C3CE-48E1-A5AE-E0915A6629DA}"/>
-              </a:ext>
-            </a:extLst>
-          </p:cNvPr>
-          <p:cNvPicPr>
-            <a:picLocks noChangeAspect="1"/>
-          </p:cNvPicPr>
-          <p:nvPr/>
-        </p:nvPicPr>
-        <p:blipFill rotWithShape="1">
-          <a:blip r:embed="rId2">
-            <a:extLst>
-              <a:ext uri="{BEBA8EAE-BF5A-486C-A8C5-ECC9F3942E4B}">
-                <a14:imgProps xmlns:a14="http://schemas.microsoft.com/office/drawing/2010/main">
-                  <a14:imgLayer r:embed="rId3">
-                    <a14:imgEffect>
-                      <a14:backgroundRemoval t="9800" b="56400" l="26400" r="72000"/>
-                    </a14:imgEffect>
-                  </a14:imgLayer>
-                </a14:imgProps>
-              </a:ext>
-            </a:extLst>
-          </a:blip>
-          <a:srcRect l="25432" t="10872" r="29339" b="41525"/>
-          <a:stretch/>
-        </p:blipFill>
-        <p:spPr>
-          <a:xfrm>
-            <a:off x="8086333" y="4010545"/>
-            <a:ext cx="833718" cy="877422"/>
-          </a:xfrm>
-          <a:prstGeom prst="rect">
-            <a:avLst/>
-          </a:prstGeom>
-        </p:spPr>
-      </p:pic>
-    </p:spTree>
-    <p:extLst>
-      <p:ext uri="{BB962C8B-B14F-4D97-AF65-F5344CB8AC3E}">
-        <p14:creationId xmlns:p14="http://schemas.microsoft.com/office/powerpoint/2010/main" val="2400786460"/>
-      </p:ext>
-    </p:extLst>
-  </p:cSld>
-  <p:clrMapOvr>
-    <a:masterClrMapping/>
-  </p:clrMapOvr>
-</p:sld>
-</file>
-
-<file path=ppt/slides/slide21.xml><?xml version="1.0" encoding="utf-8"?>
-<p:sld xmlns:a="http://schemas.openxmlformats.org/drawingml/2006/main" xmlns:r="http://schemas.openxmlformats.org/officeDocument/2006/relationships" xmlns:p="http://schemas.openxmlformats.org/presentationml/2006/main">
-  <p:cSld>
-    <p:spTree>
-      <p:nvGrpSpPr>
-        <p:cNvPr id="1" name=""/>
-        <p:cNvGrpSpPr/>
-        <p:nvPr/>
-      </p:nvGrpSpPr>
-      <p:grpSpPr>
-        <a:xfrm>
-          <a:off x="0" y="0"/>
-          <a:ext cx="0" cy="0"/>
-          <a:chOff x="0" y="0"/>
-          <a:chExt cx="0" cy="0"/>
-        </a:xfrm>
-      </p:grpSpPr>
-      <p:sp>
-        <p:nvSpPr>
-          <p:cNvPr id="3" name="CuadroTexto 2">
-            <a:extLst>
-              <a:ext uri="{FF2B5EF4-FFF2-40B4-BE49-F238E27FC236}">
-                <a16:creationId xmlns:a16="http://schemas.microsoft.com/office/drawing/2014/main" id="{6BAD7125-0247-433D-8553-4599ED8BEF7F}"/>
-              </a:ext>
-            </a:extLst>
-          </p:cNvPr>
-          <p:cNvSpPr txBox="1"/>
-          <p:nvPr/>
-        </p:nvSpPr>
-        <p:spPr>
-          <a:xfrm>
-            <a:off x="2362200" y="1920359"/>
-            <a:ext cx="4572000" cy="523220"/>
-          </a:xfrm>
-          <a:prstGeom prst="rect">
-            <a:avLst/>
-          </a:prstGeom>
-          <a:noFill/>
-        </p:spPr>
-        <p:txBody>
-          <a:bodyPr wrap="square">
-            <a:spAutoFit/>
-          </a:bodyPr>
-          <a:lstStyle/>
-          <a:p>
-            <a:pPr algn="ctr"/>
-            <a:r>
-              <a:rPr lang="es-ES" sz="2800" dirty="0"/>
-              <a:t>DB</a:t>
-            </a:r>
-          </a:p>
-        </p:txBody>
-      </p:sp>
-      <p:pic>
-        <p:nvPicPr>
-          <p:cNvPr id="4" name="Imagen 4">
-            <a:extLst>
-              <a:ext uri="{FF2B5EF4-FFF2-40B4-BE49-F238E27FC236}">
-                <a16:creationId xmlns:a16="http://schemas.microsoft.com/office/drawing/2014/main" id="{281E2931-3C46-4FC5-80A9-F7547EB4CB55}"/>
-              </a:ext>
-            </a:extLst>
-          </p:cNvPr>
-          <p:cNvPicPr>
-            <a:picLocks noChangeAspect="1"/>
-          </p:cNvPicPr>
-          <p:nvPr/>
-        </p:nvPicPr>
-        <p:blipFill rotWithShape="1">
-          <a:blip r:embed="rId2">
-            <a:extLst>
-              <a:ext uri="{BEBA8EAE-BF5A-486C-A8C5-ECC9F3942E4B}">
-                <a14:imgProps xmlns:a14="http://schemas.microsoft.com/office/drawing/2010/main">
-                  <a14:imgLayer r:embed="rId3">
-                    <a14:imgEffect>
-                      <a14:backgroundRemoval t="9800" b="56400" l="26400" r="72000"/>
-                    </a14:imgEffect>
-                  </a14:imgLayer>
-                </a14:imgProps>
-              </a:ext>
-            </a:extLst>
-          </a:blip>
-          <a:srcRect l="25432" t="10872" r="29339" b="41525"/>
-          <a:stretch/>
-        </p:blipFill>
-        <p:spPr>
-          <a:xfrm>
-            <a:off x="8115977" y="3944326"/>
-            <a:ext cx="833718" cy="877422"/>
-          </a:xfrm>
-          <a:prstGeom prst="rect">
-            <a:avLst/>
-          </a:prstGeom>
-        </p:spPr>
-      </p:pic>
-    </p:spTree>
-    <p:extLst>
-      <p:ext uri="{BB962C8B-B14F-4D97-AF65-F5344CB8AC3E}">
-        <p14:creationId xmlns:p14="http://schemas.microsoft.com/office/powerpoint/2010/main" val="3500631318"/>
-      </p:ext>
-    </p:extLst>
-  </p:cSld>
-  <p:clrMapOvr>
-    <a:masterClrMapping/>
-  </p:clrMapOvr>
-</p:sld>
-</file>
-
-<file path=ppt/slides/slide22.xml><?xml version="1.0" encoding="utf-8"?>
-<p:sld xmlns:a="http://schemas.openxmlformats.org/drawingml/2006/main" xmlns:r="http://schemas.openxmlformats.org/officeDocument/2006/relationships" xmlns:p="http://schemas.openxmlformats.org/presentationml/2006/main">
-  <p:cSld>
-    <p:spTree>
-      <p:nvGrpSpPr>
-        <p:cNvPr id="1" name=""/>
-        <p:cNvGrpSpPr/>
-        <p:nvPr/>
-      </p:nvGrpSpPr>
-      <p:grpSpPr>
-        <a:xfrm>
-          <a:off x="0" y="0"/>
-          <a:ext cx="0" cy="0"/>
-          <a:chOff x="0" y="0"/>
-          <a:chExt cx="0" cy="0"/>
-        </a:xfrm>
-      </p:grpSpPr>
-      <p:sp>
-        <p:nvSpPr>
-          <p:cNvPr id="5" name="CuadroTexto 4">
-            <a:extLst>
-              <a:ext uri="{FF2B5EF4-FFF2-40B4-BE49-F238E27FC236}">
-                <a16:creationId xmlns:a16="http://schemas.microsoft.com/office/drawing/2014/main" id="{7FA7DC77-E4B0-4E5B-BF8B-A8ABF24C7E36}"/>
-              </a:ext>
-            </a:extLst>
-          </p:cNvPr>
-          <p:cNvSpPr txBox="1"/>
-          <p:nvPr/>
-        </p:nvSpPr>
-        <p:spPr>
-          <a:xfrm>
-            <a:off x="3062642" y="1561352"/>
-            <a:ext cx="3235701" cy="646331"/>
-          </a:xfrm>
-          <a:prstGeom prst="rect">
-            <a:avLst/>
-          </a:prstGeom>
-          <a:noFill/>
-        </p:spPr>
-        <p:txBody>
-          <a:bodyPr wrap="square" rtlCol="0">
-            <a:spAutoFit/>
-          </a:bodyPr>
-          <a:lstStyle/>
-          <a:p>
-            <a:pPr algn="ctr"/>
-            <a:r>
-              <a:rPr lang="es-ES" sz="3600" dirty="0"/>
-              <a:t>Interfaces </a:t>
-            </a:r>
-          </a:p>
-        </p:txBody>
-      </p:sp>
-      <p:pic>
-        <p:nvPicPr>
-          <p:cNvPr id="3" name="Imagen 4">
-            <a:extLst>
-              <a:ext uri="{FF2B5EF4-FFF2-40B4-BE49-F238E27FC236}">
-                <a16:creationId xmlns:a16="http://schemas.microsoft.com/office/drawing/2014/main" id="{D7D107A7-2A8B-4D2D-B501-4A16644F930B}"/>
+                <a16:creationId xmlns:a16="http://schemas.microsoft.com/office/drawing/2014/main" xmlns="" id="{D7D107A7-2A8B-4D2D-B501-4A16644F930B}"/>
               </a:ext>
             </a:extLst>
           </p:cNvPr>
@@ -3869,7 +2367,7 @@
 </p:sld>
 </file>
 
-<file path=ppt/slides/slide23.xml><?xml version="1.0" encoding="utf-8"?>
+<file path=ppt/slides/slide12.xml><?xml version="1.0" encoding="utf-8"?>
 <p:sld xmlns:a="http://schemas.openxmlformats.org/drawingml/2006/main" xmlns:r="http://schemas.openxmlformats.org/officeDocument/2006/relationships" xmlns:p="http://schemas.openxmlformats.org/presentationml/2006/main">
   <p:cSld>
     <p:spTree>
@@ -3899,6 +2397,275 @@
 </p:sld>
 </file>
 
+<file path=ppt/slides/slide2.xml><?xml version="1.0" encoding="utf-8"?>
+<p:sld xmlns:a="http://schemas.openxmlformats.org/drawingml/2006/main" xmlns:r="http://schemas.openxmlformats.org/officeDocument/2006/relationships" xmlns:p="http://schemas.openxmlformats.org/presentationml/2006/main">
+  <p:cSld>
+    <p:spTree>
+      <p:nvGrpSpPr>
+        <p:cNvPr id="1" name=""/>
+        <p:cNvGrpSpPr/>
+        <p:nvPr/>
+      </p:nvGrpSpPr>
+      <p:grpSpPr>
+        <a:xfrm>
+          <a:off x="0" y="0"/>
+          <a:ext cx="0" cy="0"/>
+          <a:chOff x="0" y="0"/>
+          <a:chExt cx="0" cy="0"/>
+        </a:xfrm>
+      </p:grpSpPr>
+      <p:sp>
+        <p:nvSpPr>
+          <p:cNvPr id="2" name="CuadroTexto 1"/>
+          <p:cNvSpPr txBox="1"/>
+          <p:nvPr/>
+        </p:nvSpPr>
+        <p:spPr>
+          <a:xfrm>
+            <a:off x="1453164" y="270759"/>
+            <a:ext cx="5932872" cy="646331"/>
+          </a:xfrm>
+          <a:prstGeom prst="rect">
+            <a:avLst/>
+          </a:prstGeom>
+          <a:noFill/>
+        </p:spPr>
+        <p:txBody>
+          <a:bodyPr wrap="square" rtlCol="0">
+            <a:spAutoFit/>
+          </a:bodyPr>
+          <a:lstStyle/>
+          <a:p>
+            <a:pPr algn="ctr"/>
+            <a:r>
+              <a:rPr lang="es-ES" sz="3600" b="1" dirty="0">
+                <a:solidFill>
+                  <a:schemeClr val="bg1"/>
+                </a:solidFill>
+              </a:rPr>
+              <a:t>Contenido</a:t>
+            </a:r>
+          </a:p>
+        </p:txBody>
+      </p:sp>
+      <p:sp>
+        <p:nvSpPr>
+          <p:cNvPr id="3" name="AutoShape 2">
+            <a:extLst>
+              <a:ext uri="{FF2B5EF4-FFF2-40B4-BE49-F238E27FC236}">
+                <a16:creationId xmlns:a16="http://schemas.microsoft.com/office/drawing/2014/main" xmlns="" id="{2E81E7FF-2B12-4C75-9DA6-AB2363165278}"/>
+              </a:ext>
+            </a:extLst>
+          </p:cNvPr>
+          <p:cNvSpPr>
+            <a:spLocks noChangeAspect="1" noChangeArrowheads="1"/>
+          </p:cNvSpPr>
+          <p:nvPr/>
+        </p:nvSpPr>
+        <p:spPr bwMode="auto">
+          <a:xfrm>
+            <a:off x="4419600" y="2419350"/>
+            <a:ext cx="304800" cy="304800"/>
+          </a:xfrm>
+          <a:prstGeom prst="rect">
+            <a:avLst/>
+          </a:prstGeom>
+          <a:noFill/>
+          <a:extLst>
+            <a:ext uri="{909E8E84-426E-40DD-AFC4-6F175D3DCCD1}">
+              <a14:hiddenFill xmlns:a14="http://schemas.microsoft.com/office/drawing/2010/main">
+                <a:solidFill>
+                  <a:srgbClr val="FFFFFF"/>
+                </a:solidFill>
+              </a14:hiddenFill>
+            </a:ext>
+          </a:extLst>
+        </p:spPr>
+        <p:txBody>
+          <a:bodyPr vert="horz" wrap="square" lIns="91440" tIns="45720" rIns="91440" bIns="45720" numCol="1" anchor="t" anchorCtr="0" compatLnSpc="1">
+            <a:prstTxWarp prst="textNoShape">
+              <a:avLst/>
+            </a:prstTxWarp>
+          </a:bodyPr>
+          <a:lstStyle/>
+          <a:p>
+            <a:endParaRPr lang="es-CO" dirty="0"/>
+          </a:p>
+        </p:txBody>
+      </p:sp>
+      <p:sp>
+        <p:nvSpPr>
+          <p:cNvPr id="5" name="CuadroTexto 4">
+            <a:extLst>
+              <a:ext uri="{FF2B5EF4-FFF2-40B4-BE49-F238E27FC236}">
+                <a16:creationId xmlns:a16="http://schemas.microsoft.com/office/drawing/2014/main" xmlns="" id="{4DCBB05A-2BBD-4A9E-9001-757BA3A18716}"/>
+              </a:ext>
+            </a:extLst>
+          </p:cNvPr>
+          <p:cNvSpPr txBox="1"/>
+          <p:nvPr/>
+        </p:nvSpPr>
+        <p:spPr>
+          <a:xfrm>
+            <a:off x="2961041" y="1230258"/>
+            <a:ext cx="4167891" cy="3170099"/>
+          </a:xfrm>
+          <a:prstGeom prst="rect">
+            <a:avLst/>
+          </a:prstGeom>
+          <a:noFill/>
+        </p:spPr>
+        <p:txBody>
+          <a:bodyPr wrap="square" rtlCol="0">
+            <a:spAutoFit/>
+          </a:bodyPr>
+          <a:lstStyle/>
+          <a:p>
+            <a:endParaRPr lang="es-ES" sz="2000" dirty="0"/>
+          </a:p>
+          <a:p>
+            <a:pPr marL="457200" indent="-457200">
+              <a:buAutoNum type="arabicPeriod"/>
+            </a:pPr>
+            <a:r>
+              <a:rPr lang="es-ES" sz="2000" dirty="0" smtClean="0"/>
+              <a:t>Argumentación del proyecto</a:t>
+            </a:r>
+          </a:p>
+          <a:p>
+            <a:pPr marL="457200" indent="-457200">
+              <a:buAutoNum type="arabicPeriod"/>
+            </a:pPr>
+            <a:r>
+              <a:rPr lang="es-ES" sz="2000" dirty="0" smtClean="0"/>
+              <a:t>Modelo </a:t>
+            </a:r>
+            <a:r>
+              <a:rPr lang="es-ES" sz="2000" dirty="0"/>
+              <a:t>e-r</a:t>
+            </a:r>
+          </a:p>
+          <a:p>
+            <a:pPr marL="457200" indent="-457200">
+              <a:buAutoNum type="arabicPeriod"/>
+            </a:pPr>
+            <a:r>
+              <a:rPr lang="es-ES" sz="2000" dirty="0"/>
+              <a:t>Modelo </a:t>
+            </a:r>
+            <a:r>
+              <a:rPr lang="es-ES" sz="2000" dirty="0" smtClean="0"/>
+              <a:t>relacional</a:t>
+            </a:r>
+          </a:p>
+          <a:p>
+            <a:pPr marL="457200" indent="-457200">
+              <a:buAutoNum type="arabicPeriod"/>
+            </a:pPr>
+            <a:r>
+              <a:rPr lang="es-ES" sz="2000" dirty="0" smtClean="0"/>
+              <a:t>Diccionario de datos</a:t>
+            </a:r>
+            <a:endParaRPr lang="es-ES" sz="2000" dirty="0"/>
+          </a:p>
+          <a:p>
+            <a:pPr marL="457200" indent="-457200">
+              <a:buFontTx/>
+              <a:buAutoNum type="arabicPeriod"/>
+            </a:pPr>
+            <a:r>
+              <a:rPr lang="es-ES" sz="2000" dirty="0"/>
+              <a:t>Casos de prueba</a:t>
+            </a:r>
+          </a:p>
+          <a:p>
+            <a:pPr marL="457200" indent="-457200">
+              <a:buFontTx/>
+              <a:buAutoNum type="arabicPeriod"/>
+            </a:pPr>
+            <a:r>
+              <a:rPr lang="es-ES" sz="2000" dirty="0"/>
+              <a:t>Base de datos</a:t>
+            </a:r>
+          </a:p>
+          <a:p>
+            <a:pPr marL="457200" indent="-457200">
+              <a:buFontTx/>
+              <a:buAutoNum type="arabicPeriod"/>
+            </a:pPr>
+            <a:r>
+              <a:rPr lang="es-ES" sz="2000" dirty="0"/>
+              <a:t>Interfaces</a:t>
+            </a:r>
+          </a:p>
+          <a:p>
+            <a:pPr marL="457200" indent="-457200">
+              <a:buAutoNum type="arabicPeriod"/>
+            </a:pPr>
+            <a:endParaRPr lang="es-ES" sz="2000" b="1" dirty="0"/>
+          </a:p>
+          <a:p>
+            <a:pPr marL="457200" indent="-457200">
+              <a:buAutoNum type="arabicPeriod"/>
+            </a:pPr>
+            <a:endParaRPr lang="es-ES" sz="2000" b="1" dirty="0"/>
+          </a:p>
+        </p:txBody>
+      </p:sp>
+      <p:pic>
+        <p:nvPicPr>
+          <p:cNvPr id="6" name="Imagen 4">
+            <a:extLst>
+              <a:ext uri="{FF2B5EF4-FFF2-40B4-BE49-F238E27FC236}">
+                <a16:creationId xmlns:a16="http://schemas.microsoft.com/office/drawing/2014/main" xmlns="" id="{D7D107A7-2A8B-4D2D-B501-4A16644F930B}"/>
+              </a:ext>
+            </a:extLst>
+          </p:cNvPr>
+          <p:cNvPicPr>
+            <a:picLocks noChangeAspect="1"/>
+          </p:cNvPicPr>
+          <p:nvPr/>
+        </p:nvPicPr>
+        <p:blipFill rotWithShape="1">
+          <a:blip r:embed="rId2">
+            <a:extLst>
+              <a:ext uri="{BEBA8EAE-BF5A-486C-A8C5-ECC9F3942E4B}">
+                <a14:imgProps xmlns:a14="http://schemas.microsoft.com/office/drawing/2010/main">
+                  <a14:imgLayer r:embed="rId3">
+                    <a14:imgEffect>
+                      <a14:backgroundRemoval t="9800" b="56400" l="26400" r="72000"/>
+                    </a14:imgEffect>
+                  </a14:imgLayer>
+                </a14:imgProps>
+              </a:ext>
+            </a:extLst>
+          </a:blip>
+          <a:srcRect l="25432" t="10872" r="29339" b="41525"/>
+          <a:stretch/>
+        </p:blipFill>
+        <p:spPr>
+          <a:xfrm>
+            <a:off x="7903326" y="3894931"/>
+            <a:ext cx="833718" cy="877422"/>
+          </a:xfrm>
+          <a:prstGeom prst="rect">
+            <a:avLst/>
+          </a:prstGeom>
+        </p:spPr>
+      </p:pic>
+    </p:spTree>
+    <p:extLst>
+      <p:ext uri="{BB962C8B-B14F-4D97-AF65-F5344CB8AC3E}">
+        <p14:creationId xmlns:p14="http://schemas.microsoft.com/office/powerpoint/2010/main" val="2913944231"/>
+      </p:ext>
+    </p:extLst>
+  </p:cSld>
+  <p:clrMapOvr>
+    <a:masterClrMapping/>
+  </p:clrMapOvr>
+</p:sld>
+</file>
+
 <file path=ppt/slides/slide3.xml><?xml version="1.0" encoding="utf-8"?>
 <p:sld xmlns:a="http://schemas.openxmlformats.org/drawingml/2006/main" xmlns:r="http://schemas.openxmlformats.org/officeDocument/2006/relationships" xmlns:p="http://schemas.openxmlformats.org/presentationml/2006/main">
   <p:cSld>
@@ -3918,14 +2685,20 @@
       </p:grpSpPr>
       <p:sp>
         <p:nvSpPr>
-          <p:cNvPr id="2" name="CuadroTexto 1"/>
+          <p:cNvPr id="2" name="CuadroTexto 3">
+            <a:extLst>
+              <a:ext uri="{FF2B5EF4-FFF2-40B4-BE49-F238E27FC236}">
+                <a16:creationId xmlns:a16="http://schemas.microsoft.com/office/drawing/2014/main" xmlns="" id="{84F97437-1C39-4492-9481-41905A5D636B}"/>
+              </a:ext>
+            </a:extLst>
+          </p:cNvPr>
           <p:cNvSpPr txBox="1"/>
           <p:nvPr/>
         </p:nvSpPr>
         <p:spPr>
           <a:xfrm>
-            <a:off x="1453164" y="270759"/>
-            <a:ext cx="5932872" cy="646331"/>
+            <a:off x="1550284" y="884753"/>
+            <a:ext cx="6193554" cy="461665"/>
           </a:xfrm>
           <a:prstGeom prst="rect">
             <a:avLst/>
@@ -3940,192 +2713,25 @@
           <a:p>
             <a:pPr algn="ctr"/>
             <a:r>
-              <a:rPr lang="es-ES" sz="3600" b="1" dirty="0">
+              <a:rPr lang="es-ES" sz="2400" b="1" dirty="0">
                 <a:solidFill>
-                  <a:schemeClr val="bg1"/>
+                  <a:schemeClr val="tx1">
+                    <a:lumMod val="75000"/>
+                    <a:lumOff val="25000"/>
+                  </a:schemeClr>
                 </a:solidFill>
               </a:rPr>
-              <a:t>Contenido</a:t>
-            </a:r>
-          </a:p>
-        </p:txBody>
-      </p:sp>
-      <p:sp>
-        <p:nvSpPr>
-          <p:cNvPr id="3" name="AutoShape 2">
-            <a:extLst>
-              <a:ext uri="{FF2B5EF4-FFF2-40B4-BE49-F238E27FC236}">
-                <a16:creationId xmlns:a16="http://schemas.microsoft.com/office/drawing/2014/main" id="{2E81E7FF-2B12-4C75-9DA6-AB2363165278}"/>
-              </a:ext>
-            </a:extLst>
-          </p:cNvPr>
-          <p:cNvSpPr>
-            <a:spLocks noChangeAspect="1" noChangeArrowheads="1"/>
-          </p:cNvSpPr>
-          <p:nvPr/>
-        </p:nvSpPr>
-        <p:spPr bwMode="auto">
-          <a:xfrm>
-            <a:off x="4419600" y="2419350"/>
-            <a:ext cx="304800" cy="304800"/>
-          </a:xfrm>
-          <a:prstGeom prst="rect">
-            <a:avLst/>
-          </a:prstGeom>
-          <a:noFill/>
-          <a:extLst>
-            <a:ext uri="{909E8E84-426E-40DD-AFC4-6F175D3DCCD1}">
-              <a14:hiddenFill xmlns:a14="http://schemas.microsoft.com/office/drawing/2010/main">
-                <a:solidFill>
-                  <a:srgbClr val="FFFFFF"/>
-                </a:solidFill>
-              </a14:hiddenFill>
-            </a:ext>
-          </a:extLst>
-        </p:spPr>
-        <p:txBody>
-          <a:bodyPr vert="horz" wrap="square" lIns="91440" tIns="45720" rIns="91440" bIns="45720" numCol="1" anchor="t" anchorCtr="0" compatLnSpc="1">
-            <a:prstTxWarp prst="textNoShape">
-              <a:avLst/>
-            </a:prstTxWarp>
-          </a:bodyPr>
-          <a:lstStyle/>
-          <a:p>
-            <a:endParaRPr lang="es-CO" dirty="0"/>
-          </a:p>
-        </p:txBody>
-      </p:sp>
-      <p:sp>
-        <p:nvSpPr>
-          <p:cNvPr id="5" name="CuadroTexto 4">
-            <a:extLst>
-              <a:ext uri="{FF2B5EF4-FFF2-40B4-BE49-F238E27FC236}">
-                <a16:creationId xmlns:a16="http://schemas.microsoft.com/office/drawing/2014/main" id="{4DCBB05A-2BBD-4A9E-9001-757BA3A18716}"/>
-              </a:ext>
-            </a:extLst>
-          </p:cNvPr>
-          <p:cNvSpPr txBox="1"/>
-          <p:nvPr/>
-        </p:nvSpPr>
-        <p:spPr>
-          <a:xfrm>
-            <a:off x="2961041" y="1230258"/>
-            <a:ext cx="4167891" cy="3477875"/>
-          </a:xfrm>
-          <a:prstGeom prst="rect">
-            <a:avLst/>
-          </a:prstGeom>
-          <a:noFill/>
-        </p:spPr>
-        <p:txBody>
-          <a:bodyPr wrap="square" rtlCol="0">
-            <a:spAutoFit/>
-          </a:bodyPr>
-          <a:lstStyle/>
-          <a:p>
-            <a:pPr marL="457200" indent="-457200">
-              <a:buAutoNum type="arabicPeriod"/>
-            </a:pPr>
-            <a:r>
-              <a:rPr lang="es-ES" sz="2000" dirty="0"/>
-              <a:t>Diagrama de casos de uso</a:t>
-            </a:r>
-          </a:p>
-          <a:p>
-            <a:pPr marL="457200" indent="-457200">
-              <a:buAutoNum type="arabicPeriod"/>
-            </a:pPr>
-            <a:r>
-              <a:rPr lang="es-ES" sz="2000" dirty="0"/>
-              <a:t>Diagrama de actividades</a:t>
-            </a:r>
-          </a:p>
-          <a:p>
-            <a:pPr marL="457200" indent="-457200">
-              <a:buAutoNum type="arabicPeriod"/>
-            </a:pPr>
-            <a:r>
-              <a:rPr lang="es-ES" sz="2000" dirty="0"/>
-              <a:t>Diagrama de clases</a:t>
-            </a:r>
-          </a:p>
-          <a:p>
-            <a:pPr marL="457200" indent="-457200">
-              <a:buAutoNum type="arabicPeriod"/>
-            </a:pPr>
-            <a:r>
-              <a:rPr lang="es-ES" sz="2000" dirty="0"/>
-              <a:t>Diccionario de datos</a:t>
-            </a:r>
-          </a:p>
-          <a:p>
-            <a:pPr marL="457200" indent="-457200">
-              <a:buAutoNum type="arabicPeriod"/>
-            </a:pPr>
-            <a:r>
-              <a:rPr lang="es-ES" sz="2000" dirty="0"/>
-              <a:t>Modelo e-r</a:t>
-            </a:r>
-          </a:p>
-          <a:p>
-            <a:pPr marL="457200" indent="-457200">
-              <a:buAutoNum type="arabicPeriod"/>
-            </a:pPr>
-            <a:r>
-              <a:rPr lang="es-ES" sz="2000" dirty="0"/>
-              <a:t>Modelo relacional</a:t>
-            </a:r>
-          </a:p>
-          <a:p>
-            <a:pPr marL="457200" indent="-457200">
-              <a:buFontTx/>
-              <a:buAutoNum type="arabicPeriod"/>
-            </a:pPr>
-            <a:r>
-              <a:rPr lang="es-ES" sz="2000" dirty="0"/>
-              <a:t>Casos de prueba</a:t>
-            </a:r>
-          </a:p>
-          <a:p>
-            <a:pPr marL="457200" indent="-457200">
-              <a:buFontTx/>
-              <a:buAutoNum type="arabicPeriod"/>
-            </a:pPr>
-            <a:r>
-              <a:rPr lang="es-ES" sz="2000" dirty="0"/>
-              <a:t>Base de datos</a:t>
-            </a:r>
-          </a:p>
-          <a:p>
-            <a:pPr marL="457200" indent="-457200">
-              <a:buFontTx/>
-              <a:buAutoNum type="arabicPeriod"/>
-            </a:pPr>
-            <a:r>
-              <a:rPr lang="es-ES" sz="2000" dirty="0"/>
-              <a:t>Interfaces</a:t>
-            </a:r>
-          </a:p>
-          <a:p>
-            <a:pPr marL="457200" indent="-457200">
-              <a:buAutoNum type="arabicPeriod"/>
-            </a:pPr>
-            <a:endParaRPr lang="es-ES" sz="2000" b="1" dirty="0"/>
-          </a:p>
-          <a:p>
-            <a:pPr marL="457200" indent="-457200">
-              <a:buAutoNum type="arabicPeriod"/>
-            </a:pPr>
-            <a:endParaRPr lang="es-ES" sz="2000" b="1" dirty="0"/>
+              <a:t>Argumentación del proyecto</a:t>
+            </a:r>
           </a:p>
         </p:txBody>
       </p:sp>
       <p:pic>
         <p:nvPicPr>
-          <p:cNvPr id="6" name="Imagen 4">
+          <p:cNvPr id="3" name="Imagen 4">
             <a:extLst>
               <a:ext uri="{FF2B5EF4-FFF2-40B4-BE49-F238E27FC236}">
-                <a16:creationId xmlns:a16="http://schemas.microsoft.com/office/drawing/2014/main" id="{D7D107A7-2A8B-4D2D-B501-4A16644F930B}"/>
+                <a16:creationId xmlns:a16="http://schemas.microsoft.com/office/drawing/2014/main" xmlns="" id="{D7D107A7-2A8B-4D2D-B501-4A16644F930B}"/>
               </a:ext>
             </a:extLst>
           </p:cNvPr>
@@ -4153,7 +2759,7 @@
         </p:blipFill>
         <p:spPr>
           <a:xfrm>
-            <a:off x="7903326" y="3894931"/>
+            <a:off x="7743838" y="3742307"/>
             <a:ext cx="833718" cy="877422"/>
           </a:xfrm>
           <a:prstGeom prst="rect">
@@ -4161,10 +2767,53 @@
           </a:prstGeom>
         </p:spPr>
       </p:pic>
+      <p:sp>
+        <p:nvSpPr>
+          <p:cNvPr id="5" name="CuadroTexto 3">
+            <a:extLst>
+              <a:ext uri="{FF2B5EF4-FFF2-40B4-BE49-F238E27FC236}">
+                <a16:creationId xmlns:a16="http://schemas.microsoft.com/office/drawing/2014/main" xmlns="" id="{84F97437-1C39-4492-9481-41905A5D636B}"/>
+              </a:ext>
+            </a:extLst>
+          </p:cNvPr>
+          <p:cNvSpPr txBox="1"/>
+          <p:nvPr/>
+        </p:nvSpPr>
+        <p:spPr>
+          <a:xfrm>
+            <a:off x="1875716" y="1495538"/>
+            <a:ext cx="6193554" cy="2246769"/>
+          </a:xfrm>
+          <a:prstGeom prst="rect">
+            <a:avLst/>
+          </a:prstGeom>
+          <a:noFill/>
+        </p:spPr>
+        <p:txBody>
+          <a:bodyPr wrap="square" rtlCol="0">
+            <a:spAutoFit/>
+          </a:bodyPr>
+          <a:lstStyle/>
+          <a:p>
+            <a:pPr algn="just"/>
+            <a:r>
+              <a:rPr lang="es-ES" sz="2000" dirty="0">
+                <a:solidFill>
+                  <a:schemeClr val="tx1">
+                    <a:lumMod val="75000"/>
+                    <a:lumOff val="25000"/>
+                  </a:schemeClr>
+                </a:solidFill>
+              </a:rPr>
+              <a:t>Math Macth surge de una problemática encontrada a nivel nacional que hace énfasis en que la asignatura que presenta más porcentaje de perdida es la de matemáticas y aún mas en grados superiores que esta aumenta su complejidad, debido a esto surge este proyecto, que se encargara de implementar de una manera más lúdica las matemáticas. </a:t>
+            </a:r>
+          </a:p>
+        </p:txBody>
+      </p:sp>
     </p:spTree>
     <p:extLst>
       <p:ext uri="{BB962C8B-B14F-4D97-AF65-F5344CB8AC3E}">
-        <p14:creationId xmlns:p14="http://schemas.microsoft.com/office/powerpoint/2010/main" val="2913944231"/>
+        <p14:creationId xmlns:p14="http://schemas.microsoft.com/office/powerpoint/2010/main" val="2817361822"/>
       </p:ext>
     </p:extLst>
   </p:cSld>
@@ -4196,7 +2845,7 @@
           <p:cNvPr id="5" name="CuadroTexto 4">
             <a:extLst>
               <a:ext uri="{FF2B5EF4-FFF2-40B4-BE49-F238E27FC236}">
-                <a16:creationId xmlns:a16="http://schemas.microsoft.com/office/drawing/2014/main" id="{7FA7DC77-E4B0-4E5B-BF8B-A8ABF24C7E36}"/>
+                <a16:creationId xmlns:a16="http://schemas.microsoft.com/office/drawing/2014/main" xmlns="" id="{7FA7DC77-E4B0-4E5B-BF8B-A8ABF24C7E36}"/>
               </a:ext>
             </a:extLst>
           </p:cNvPr>
@@ -4205,8 +2854,8 @@
         </p:nvSpPr>
         <p:spPr>
           <a:xfrm>
-            <a:off x="3062051" y="1561352"/>
-            <a:ext cx="3235701" cy="1200329"/>
+            <a:off x="2381693" y="1561352"/>
+            <a:ext cx="4216331" cy="1200329"/>
           </a:xfrm>
           <a:prstGeom prst="rect">
             <a:avLst/>
@@ -4222,7 +2871,7 @@
             <a:pPr algn="ctr"/>
             <a:r>
               <a:rPr lang="es-ES" sz="3600" dirty="0"/>
-              <a:t>Diagrama de casos de uso</a:t>
+              <a:t>Modelo entidad-relación</a:t>
             </a:r>
           </a:p>
         </p:txBody>
@@ -4232,7 +2881,7 @@
           <p:cNvPr id="3" name="Imagen 4">
             <a:extLst>
               <a:ext uri="{FF2B5EF4-FFF2-40B4-BE49-F238E27FC236}">
-                <a16:creationId xmlns:a16="http://schemas.microsoft.com/office/drawing/2014/main" id="{D7D107A7-2A8B-4D2D-B501-4A16644F930B}"/>
+                <a16:creationId xmlns:a16="http://schemas.microsoft.com/office/drawing/2014/main" xmlns="" id="{D7D107A7-2A8B-4D2D-B501-4A16644F930B}"/>
               </a:ext>
             </a:extLst>
           </p:cNvPr>
@@ -4260,7 +2909,7 @@
         </p:blipFill>
         <p:spPr>
           <a:xfrm>
-            <a:off x="8062815" y="3912428"/>
+            <a:off x="8009652" y="4018754"/>
             <a:ext cx="833718" cy="877422"/>
           </a:xfrm>
           <a:prstGeom prst="rect">
@@ -4271,13 +2920,20 @@
     </p:spTree>
     <p:extLst>
       <p:ext uri="{BB962C8B-B14F-4D97-AF65-F5344CB8AC3E}">
-        <p14:creationId xmlns:p14="http://schemas.microsoft.com/office/powerpoint/2010/main" val="787602236"/>
+        <p14:creationId xmlns:p14="http://schemas.microsoft.com/office/powerpoint/2010/main" val="1626291330"/>
       </p:ext>
     </p:extLst>
   </p:cSld>
   <p:clrMapOvr>
     <a:masterClrMapping/>
   </p:clrMapOvr>
+  <p:timing>
+    <p:tnLst>
+      <p:par>
+        <p:cTn id="1" dur="indefinite" restart="never" nodeType="tmRoot"/>
+      </p:par>
+    </p:tnLst>
+  </p:timing>
 </p:sld>
 </file>
 
@@ -4300,40 +2956,10 @@
       </p:grpSpPr>
       <p:pic>
         <p:nvPicPr>
-          <p:cNvPr id="3" name="Imagen 2">
+          <p:cNvPr id="2" name="Imagen 4">
             <a:extLst>
               <a:ext uri="{FF2B5EF4-FFF2-40B4-BE49-F238E27FC236}">
-                <a16:creationId xmlns:a16="http://schemas.microsoft.com/office/drawing/2014/main" id="{69206226-A3BF-4356-B24A-2D6C0FB0E465}"/>
-              </a:ext>
-            </a:extLst>
-          </p:cNvPr>
-          <p:cNvPicPr>
-            <a:picLocks noChangeAspect="1"/>
-          </p:cNvPicPr>
-          <p:nvPr/>
-        </p:nvPicPr>
-        <p:blipFill>
-          <a:blip r:embed="rId2"/>
-          <a:stretch>
-            <a:fillRect/>
-          </a:stretch>
-        </p:blipFill>
-        <p:spPr>
-          <a:xfrm>
-            <a:off x="838200" y="773339"/>
-            <a:ext cx="6638925" cy="4109811"/>
-          </a:xfrm>
-          <a:prstGeom prst="rect">
-            <a:avLst/>
-          </a:prstGeom>
-        </p:spPr>
-      </p:pic>
-      <p:pic>
-        <p:nvPicPr>
-          <p:cNvPr id="4" name="Imagen 4">
-            <a:extLst>
-              <a:ext uri="{FF2B5EF4-FFF2-40B4-BE49-F238E27FC236}">
-                <a16:creationId xmlns:a16="http://schemas.microsoft.com/office/drawing/2014/main" id="{49DF3EDB-A9A3-4AAC-AA33-71EB6A8125BF}"/>
+                <a16:creationId xmlns:a16="http://schemas.microsoft.com/office/drawing/2014/main" xmlns="" id="{AB17C64F-A1BB-467E-89F8-A8A059295FF1}"/>
               </a:ext>
             </a:extLst>
           </p:cNvPr>
@@ -4343,11 +2969,11 @@
           <p:nvPr/>
         </p:nvPicPr>
         <p:blipFill rotWithShape="1">
-          <a:blip r:embed="rId3">
+          <a:blip r:embed="rId2">
             <a:extLst>
               <a:ext uri="{BEBA8EAE-BF5A-486C-A8C5-ECC9F3942E4B}">
                 <a14:imgProps xmlns:a14="http://schemas.microsoft.com/office/drawing/2010/main">
-                  <a14:imgLayer r:embed="rId4">
+                  <a14:imgLayer r:embed="rId3">
                     <a14:imgEffect>
                       <a14:backgroundRemoval t="9800" b="56400" l="26400" r="72000"/>
                     </a14:imgEffect>
@@ -4361,8 +2987,116 @@
         </p:blipFill>
         <p:spPr>
           <a:xfrm>
-            <a:off x="7903326" y="3894931"/>
+            <a:off x="8172058" y="4010545"/>
             <a:ext cx="833718" cy="877422"/>
+          </a:xfrm>
+          <a:prstGeom prst="rect">
+            <a:avLst/>
+          </a:prstGeom>
+        </p:spPr>
+      </p:pic>
+      <p:sp>
+        <p:nvSpPr>
+          <p:cNvPr id="3" name="AutoShape 2" descr="blob:https://web.whatsapp.com/2067556f-0704-4239-8e86-5ae92ba386f9"/>
+          <p:cNvSpPr>
+            <a:spLocks noChangeAspect="1" noChangeArrowheads="1"/>
+          </p:cNvSpPr>
+          <p:nvPr/>
+        </p:nvSpPr>
+        <p:spPr bwMode="auto">
+          <a:xfrm>
+            <a:off x="155575" y="-144463"/>
+            <a:ext cx="304800" cy="304801"/>
+          </a:xfrm>
+          <a:prstGeom prst="rect">
+            <a:avLst/>
+          </a:prstGeom>
+          <a:noFill/>
+          <a:extLst>
+            <a:ext uri="{909E8E84-426E-40DD-AFC4-6F175D3DCCD1}">
+              <a14:hiddenFill xmlns:a14="http://schemas.microsoft.com/office/drawing/2010/main">
+                <a:solidFill>
+                  <a:srgbClr val="FFFFFF"/>
+                </a:solidFill>
+              </a14:hiddenFill>
+            </a:ext>
+          </a:extLst>
+        </p:spPr>
+        <p:txBody>
+          <a:bodyPr vert="horz" wrap="square" lIns="91440" tIns="45720" rIns="91440" bIns="45720" numCol="1" anchor="t" anchorCtr="0" compatLnSpc="1">
+            <a:prstTxWarp prst="textNoShape">
+              <a:avLst/>
+            </a:prstTxWarp>
+          </a:bodyPr>
+          <a:lstStyle/>
+          <a:p>
+            <a:endParaRPr lang="es-CO"/>
+          </a:p>
+        </p:txBody>
+      </p:sp>
+      <p:sp>
+        <p:nvSpPr>
+          <p:cNvPr id="6" name="AutoShape 4" descr="blob:https://web.whatsapp.com/2067556f-0704-4239-8e86-5ae92ba386f9"/>
+          <p:cNvSpPr>
+            <a:spLocks noChangeAspect="1" noChangeArrowheads="1"/>
+          </p:cNvSpPr>
+          <p:nvPr/>
+        </p:nvSpPr>
+        <p:spPr bwMode="auto">
+          <a:xfrm>
+            <a:off x="307975" y="7937"/>
+            <a:ext cx="304800" cy="304801"/>
+          </a:xfrm>
+          <a:prstGeom prst="rect">
+            <a:avLst/>
+          </a:prstGeom>
+          <a:noFill/>
+          <a:extLst>
+            <a:ext uri="{909E8E84-426E-40DD-AFC4-6F175D3DCCD1}">
+              <a14:hiddenFill xmlns:a14="http://schemas.microsoft.com/office/drawing/2010/main">
+                <a:solidFill>
+                  <a:srgbClr val="FFFFFF"/>
+                </a:solidFill>
+              </a14:hiddenFill>
+            </a:ext>
+          </a:extLst>
+        </p:spPr>
+        <p:txBody>
+          <a:bodyPr vert="horz" wrap="square" lIns="91440" tIns="45720" rIns="91440" bIns="45720" numCol="1" anchor="t" anchorCtr="0" compatLnSpc="1">
+            <a:prstTxWarp prst="textNoShape">
+              <a:avLst/>
+            </a:prstTxWarp>
+          </a:bodyPr>
+          <a:lstStyle/>
+          <a:p>
+            <a:endParaRPr lang="es-CO"/>
+          </a:p>
+        </p:txBody>
+      </p:sp>
+      <p:pic>
+        <p:nvPicPr>
+          <p:cNvPr id="7" name="6 Imagen"/>
+          <p:cNvPicPr>
+            <a:picLocks noChangeAspect="1"/>
+          </p:cNvPicPr>
+          <p:nvPr/>
+        </p:nvPicPr>
+        <p:blipFill>
+          <a:blip r:embed="rId4">
+            <a:extLst>
+              <a:ext uri="{28A0092B-C50C-407E-A947-70E740481C1C}">
+                <a14:useLocalDpi xmlns:a14="http://schemas.microsoft.com/office/drawing/2010/main" val="0"/>
+              </a:ext>
+            </a:extLst>
+          </a:blip>
+          <a:stretch>
+            <a:fillRect/>
+          </a:stretch>
+        </p:blipFill>
+        <p:spPr>
+          <a:xfrm>
+            <a:off x="1265275" y="0"/>
+            <a:ext cx="6826102" cy="5143500"/>
           </a:xfrm>
           <a:prstGeom prst="rect">
             <a:avLst/>
@@ -4372,13 +3106,20 @@
     </p:spTree>
     <p:extLst>
       <p:ext uri="{BB962C8B-B14F-4D97-AF65-F5344CB8AC3E}">
-        <p14:creationId xmlns:p14="http://schemas.microsoft.com/office/powerpoint/2010/main" val="3412416868"/>
+        <p14:creationId xmlns:p14="http://schemas.microsoft.com/office/powerpoint/2010/main" val="464153623"/>
       </p:ext>
     </p:extLst>
   </p:cSld>
   <p:clrMapOvr>
     <a:masterClrMapping/>
   </p:clrMapOvr>
+  <p:timing>
+    <p:tnLst>
+      <p:par>
+        <p:cTn id="1" dur="indefinite" restart="never" nodeType="tmRoot"/>
+      </p:par>
+    </p:tnLst>
+  </p:timing>
 </p:sld>
 </file>
 
@@ -4399,42 +3140,48 @@
           <a:chExt cx="0" cy="0"/>
         </a:xfrm>
       </p:grpSpPr>
+      <p:sp>
+        <p:nvSpPr>
+          <p:cNvPr id="5" name="CuadroTexto 4">
+            <a:extLst>
+              <a:ext uri="{FF2B5EF4-FFF2-40B4-BE49-F238E27FC236}">
+                <a16:creationId xmlns:a16="http://schemas.microsoft.com/office/drawing/2014/main" xmlns="" id="{7FA7DC77-E4B0-4E5B-BF8B-A8ABF24C7E36}"/>
+              </a:ext>
+            </a:extLst>
+          </p:cNvPr>
+          <p:cNvSpPr txBox="1"/>
+          <p:nvPr/>
+        </p:nvSpPr>
+        <p:spPr>
+          <a:xfrm>
+            <a:off x="3176940" y="1623043"/>
+            <a:ext cx="3660887" cy="646331"/>
+          </a:xfrm>
+          <a:prstGeom prst="rect">
+            <a:avLst/>
+          </a:prstGeom>
+          <a:noFill/>
+        </p:spPr>
+        <p:txBody>
+          <a:bodyPr wrap="square" rtlCol="0">
+            <a:spAutoFit/>
+          </a:bodyPr>
+          <a:lstStyle/>
+          <a:p>
+            <a:pPr algn="ctr"/>
+            <a:r>
+              <a:rPr lang="es-ES" sz="3600" dirty="0"/>
+              <a:t>Modelo relacional</a:t>
+            </a:r>
+          </a:p>
+        </p:txBody>
+      </p:sp>
       <p:pic>
         <p:nvPicPr>
-          <p:cNvPr id="3" name="Imagen 2">
+          <p:cNvPr id="3" name="Imagen 4">
             <a:extLst>
               <a:ext uri="{FF2B5EF4-FFF2-40B4-BE49-F238E27FC236}">
-                <a16:creationId xmlns:a16="http://schemas.microsoft.com/office/drawing/2014/main" id="{F2D01C72-A788-48DA-A91A-A8BCCF34AFB8}"/>
-              </a:ext>
-            </a:extLst>
-          </p:cNvPr>
-          <p:cNvPicPr>
-            <a:picLocks noChangeAspect="1"/>
-          </p:cNvPicPr>
-          <p:nvPr/>
-        </p:nvPicPr>
-        <p:blipFill>
-          <a:blip r:embed="rId2"/>
-          <a:stretch>
-            <a:fillRect/>
-          </a:stretch>
-        </p:blipFill>
-        <p:spPr>
-          <a:xfrm>
-            <a:off x="2028824" y="464420"/>
-            <a:ext cx="4505325" cy="4214659"/>
-          </a:xfrm>
-          <a:prstGeom prst="rect">
-            <a:avLst/>
-          </a:prstGeom>
-        </p:spPr>
-      </p:pic>
-      <p:pic>
-        <p:nvPicPr>
-          <p:cNvPr id="4" name="Imagen 4">
-            <a:extLst>
-              <a:ext uri="{FF2B5EF4-FFF2-40B4-BE49-F238E27FC236}">
-                <a16:creationId xmlns:a16="http://schemas.microsoft.com/office/drawing/2014/main" id="{B3536A25-228B-4B12-AFF1-9095EEBCD1A6}"/>
+                <a16:creationId xmlns:a16="http://schemas.microsoft.com/office/drawing/2014/main" xmlns="" id="{D7D107A7-2A8B-4D2D-B501-4A16644F930B}"/>
               </a:ext>
             </a:extLst>
           </p:cNvPr>
@@ -4444,11 +3191,11 @@
           <p:nvPr/>
         </p:nvPicPr>
         <p:blipFill rotWithShape="1">
-          <a:blip r:embed="rId3">
+          <a:blip r:embed="rId2">
             <a:extLst>
               <a:ext uri="{BEBA8EAE-BF5A-486C-A8C5-ECC9F3942E4B}">
                 <a14:imgProps xmlns:a14="http://schemas.microsoft.com/office/drawing/2010/main">
-                  <a14:imgLayer r:embed="rId4">
+                  <a14:imgLayer r:embed="rId3">
                     <a14:imgEffect>
                       <a14:backgroundRemoval t="9800" b="56400" l="26400" r="72000"/>
                     </a14:imgEffect>
@@ -4462,7 +3209,7 @@
         </p:blipFill>
         <p:spPr>
           <a:xfrm>
-            <a:off x="7903326" y="3894931"/>
+            <a:off x="8115977" y="3944326"/>
             <a:ext cx="833718" cy="877422"/>
           </a:xfrm>
           <a:prstGeom prst="rect">
@@ -4473,13 +3220,20 @@
     </p:spTree>
     <p:extLst>
       <p:ext uri="{BB962C8B-B14F-4D97-AF65-F5344CB8AC3E}">
-        <p14:creationId xmlns:p14="http://schemas.microsoft.com/office/powerpoint/2010/main" val="411223370"/>
+        <p14:creationId xmlns:p14="http://schemas.microsoft.com/office/powerpoint/2010/main" val="1190559974"/>
       </p:ext>
     </p:extLst>
   </p:cSld>
   <p:clrMapOvr>
     <a:masterClrMapping/>
   </p:clrMapOvr>
+  <p:timing>
+    <p:tnLst>
+      <p:par>
+        <p:cTn id="1" dur="indefinite" restart="never" nodeType="tmRoot"/>
+      </p:par>
+    </p:tnLst>
+  </p:timing>
 </p:sld>
 </file>
 
@@ -4502,40 +3256,10 @@
       </p:grpSpPr>
       <p:pic>
         <p:nvPicPr>
-          <p:cNvPr id="3" name="Imagen 2">
+          <p:cNvPr id="2" name="Imagen 4">
             <a:extLst>
               <a:ext uri="{FF2B5EF4-FFF2-40B4-BE49-F238E27FC236}">
-                <a16:creationId xmlns:a16="http://schemas.microsoft.com/office/drawing/2014/main" id="{12E881D4-E664-4510-BA08-ABA725C6E557}"/>
-              </a:ext>
-            </a:extLst>
-          </p:cNvPr>
-          <p:cNvPicPr>
-            <a:picLocks noChangeAspect="1"/>
-          </p:cNvPicPr>
-          <p:nvPr/>
-        </p:nvPicPr>
-        <p:blipFill>
-          <a:blip r:embed="rId2"/>
-          <a:stretch>
-            <a:fillRect/>
-          </a:stretch>
-        </p:blipFill>
-        <p:spPr>
-          <a:xfrm>
-            <a:off x="751778" y="781021"/>
-            <a:ext cx="7640443" cy="3581458"/>
-          </a:xfrm>
-          <a:prstGeom prst="rect">
-            <a:avLst/>
-          </a:prstGeom>
-        </p:spPr>
-      </p:pic>
-      <p:pic>
-        <p:nvPicPr>
-          <p:cNvPr id="4" name="Imagen 4">
-            <a:extLst>
-              <a:ext uri="{FF2B5EF4-FFF2-40B4-BE49-F238E27FC236}">
-                <a16:creationId xmlns:a16="http://schemas.microsoft.com/office/drawing/2014/main" id="{C9493BA3-6C6F-4160-8D4B-0A8752AEAA5C}"/>
+                <a16:creationId xmlns:a16="http://schemas.microsoft.com/office/drawing/2014/main" xmlns="" id="{94F783D8-C3CE-48E1-A5AE-E0915A6629DA}"/>
               </a:ext>
             </a:extLst>
           </p:cNvPr>
@@ -4545,11 +3269,11 @@
           <p:nvPr/>
         </p:nvPicPr>
         <p:blipFill rotWithShape="1">
-          <a:blip r:embed="rId3">
+          <a:blip r:embed="rId2">
             <a:extLst>
               <a:ext uri="{BEBA8EAE-BF5A-486C-A8C5-ECC9F3942E4B}">
                 <a14:imgProps xmlns:a14="http://schemas.microsoft.com/office/drawing/2010/main">
-                  <a14:imgLayer r:embed="rId4">
+                  <a14:imgLayer r:embed="rId3">
                     <a14:imgEffect>
                       <a14:backgroundRemoval t="9800" b="56400" l="26400" r="72000"/>
                     </a14:imgEffect>
@@ -4563,8 +3287,37 @@
         </p:blipFill>
         <p:spPr>
           <a:xfrm>
-            <a:off x="7903326" y="3894931"/>
+            <a:off x="8172058" y="4010545"/>
             <a:ext cx="833718" cy="877422"/>
+          </a:xfrm>
+          <a:prstGeom prst="rect">
+            <a:avLst/>
+          </a:prstGeom>
+        </p:spPr>
+      </p:pic>
+      <p:pic>
+        <p:nvPicPr>
+          <p:cNvPr id="3" name="2 Imagen"/>
+          <p:cNvPicPr>
+            <a:picLocks noChangeAspect="1"/>
+          </p:cNvPicPr>
+          <p:nvPr/>
+        </p:nvPicPr>
+        <p:blipFill rotWithShape="1">
+          <a:blip r:embed="rId4">
+            <a:extLst>
+              <a:ext uri="{28A0092B-C50C-407E-A947-70E740481C1C}">
+                <a14:useLocalDpi xmlns:a14="http://schemas.microsoft.com/office/drawing/2010/main" val="0"/>
+              </a:ext>
+            </a:extLst>
+          </a:blip>
+          <a:srcRect l="10462" b="62249"/>
+          <a:stretch/>
+        </p:blipFill>
+        <p:spPr>
+          <a:xfrm>
+            <a:off x="1000125" y="247650"/>
+            <a:ext cx="6924675" cy="4640317"/>
           </a:xfrm>
           <a:prstGeom prst="rect">
             <a:avLst/>
@@ -4574,13 +3327,20 @@
     </p:spTree>
     <p:extLst>
       <p:ext uri="{BB962C8B-B14F-4D97-AF65-F5344CB8AC3E}">
-        <p14:creationId xmlns:p14="http://schemas.microsoft.com/office/powerpoint/2010/main" val="3848153222"/>
+        <p14:creationId xmlns:p14="http://schemas.microsoft.com/office/powerpoint/2010/main" val="1171232827"/>
       </p:ext>
     </p:extLst>
   </p:cSld>
   <p:clrMapOvr>
     <a:masterClrMapping/>
   </p:clrMapOvr>
+  <p:timing>
+    <p:tnLst>
+      <p:par>
+        <p:cTn id="1" dur="indefinite" restart="never" nodeType="tmRoot"/>
+      </p:par>
+    </p:tnLst>
+  </p:timing>
 </p:sld>
 </file>
 
@@ -4601,42 +3361,48 @@
           <a:chExt cx="0" cy="0"/>
         </a:xfrm>
       </p:grpSpPr>
+      <p:sp>
+        <p:nvSpPr>
+          <p:cNvPr id="5" name="CuadroTexto 4">
+            <a:extLst>
+              <a:ext uri="{FF2B5EF4-FFF2-40B4-BE49-F238E27FC236}">
+                <a16:creationId xmlns:a16="http://schemas.microsoft.com/office/drawing/2014/main" xmlns="" id="{7FA7DC77-E4B0-4E5B-BF8B-A8ABF24C7E36}"/>
+              </a:ext>
+            </a:extLst>
+          </p:cNvPr>
+          <p:cNvSpPr txBox="1"/>
+          <p:nvPr/>
+        </p:nvSpPr>
+        <p:spPr>
+          <a:xfrm>
+            <a:off x="3062642" y="1561352"/>
+            <a:ext cx="3235701" cy="1200329"/>
+          </a:xfrm>
+          <a:prstGeom prst="rect">
+            <a:avLst/>
+          </a:prstGeom>
+          <a:noFill/>
+        </p:spPr>
+        <p:txBody>
+          <a:bodyPr wrap="square" rtlCol="0">
+            <a:spAutoFit/>
+          </a:bodyPr>
+          <a:lstStyle/>
+          <a:p>
+            <a:pPr algn="ctr"/>
+            <a:r>
+              <a:rPr lang="es-ES" sz="3600" dirty="0"/>
+              <a:t>Diccionario de datos</a:t>
+            </a:r>
+          </a:p>
+        </p:txBody>
+      </p:sp>
       <p:pic>
         <p:nvPicPr>
-          <p:cNvPr id="3" name="Imagen 2">
+          <p:cNvPr id="3" name="Imagen 4">
             <a:extLst>
               <a:ext uri="{FF2B5EF4-FFF2-40B4-BE49-F238E27FC236}">
-                <a16:creationId xmlns:a16="http://schemas.microsoft.com/office/drawing/2014/main" id="{61BA4104-D2F7-49E8-B814-96106B88E51F}"/>
-              </a:ext>
-            </a:extLst>
-          </p:cNvPr>
-          <p:cNvPicPr>
-            <a:picLocks noChangeAspect="1"/>
-          </p:cNvPicPr>
-          <p:nvPr/>
-        </p:nvPicPr>
-        <p:blipFill>
-          <a:blip r:embed="rId2"/>
-          <a:stretch>
-            <a:fillRect/>
-          </a:stretch>
-        </p:blipFill>
-        <p:spPr>
-          <a:xfrm>
-            <a:off x="1085850" y="482228"/>
-            <a:ext cx="6248400" cy="4061460"/>
-          </a:xfrm>
-          <a:prstGeom prst="rect">
-            <a:avLst/>
-          </a:prstGeom>
-        </p:spPr>
-      </p:pic>
-      <p:pic>
-        <p:nvPicPr>
-          <p:cNvPr id="4" name="Imagen 4">
-            <a:extLst>
-              <a:ext uri="{FF2B5EF4-FFF2-40B4-BE49-F238E27FC236}">
-                <a16:creationId xmlns:a16="http://schemas.microsoft.com/office/drawing/2014/main" id="{3A5CF220-7792-4748-8184-ED5434A81EF2}"/>
+                <a16:creationId xmlns:a16="http://schemas.microsoft.com/office/drawing/2014/main" xmlns="" id="{D7D107A7-2A8B-4D2D-B501-4A16644F930B}"/>
               </a:ext>
             </a:extLst>
           </p:cNvPr>
@@ -4646,11 +3412,11 @@
           <p:nvPr/>
         </p:nvPicPr>
         <p:blipFill rotWithShape="1">
-          <a:blip r:embed="rId3">
+          <a:blip r:embed="rId2">
             <a:extLst>
               <a:ext uri="{BEBA8EAE-BF5A-486C-A8C5-ECC9F3942E4B}">
                 <a14:imgProps xmlns:a14="http://schemas.microsoft.com/office/drawing/2010/main">
-                  <a14:imgLayer r:embed="rId4">
+                  <a14:imgLayer r:embed="rId3">
                     <a14:imgEffect>
                       <a14:backgroundRemoval t="9800" b="56400" l="26400" r="72000"/>
                     </a14:imgEffect>
@@ -4664,7 +3430,7 @@
         </p:blipFill>
         <p:spPr>
           <a:xfrm>
-            <a:off x="7903326" y="3894931"/>
+            <a:off x="8073447" y="3986856"/>
             <a:ext cx="833718" cy="877422"/>
           </a:xfrm>
           <a:prstGeom prst="rect">
@@ -4675,7 +3441,7 @@
     </p:spTree>
     <p:extLst>
       <p:ext uri="{BB962C8B-B14F-4D97-AF65-F5344CB8AC3E}">
-        <p14:creationId xmlns:p14="http://schemas.microsoft.com/office/powerpoint/2010/main" val="3750069973"/>
+        <p14:creationId xmlns:p14="http://schemas.microsoft.com/office/powerpoint/2010/main" val="2348459811"/>
       </p:ext>
     </p:extLst>
   </p:cSld>
@@ -4702,42 +3468,41 @@
           <a:chExt cx="0" cy="0"/>
         </a:xfrm>
       </p:grpSpPr>
+      <p:sp>
+        <p:nvSpPr>
+          <p:cNvPr id="2" name="1 CuadroTexto"/>
+          <p:cNvSpPr txBox="1"/>
+          <p:nvPr/>
+        </p:nvSpPr>
+        <p:spPr>
+          <a:xfrm>
+            <a:off x="3476625" y="1838324"/>
+            <a:ext cx="2257425" cy="461665"/>
+          </a:xfrm>
+          <a:prstGeom prst="rect">
+            <a:avLst/>
+          </a:prstGeom>
+          <a:noFill/>
+        </p:spPr>
+        <p:txBody>
+          <a:bodyPr wrap="square" rtlCol="0">
+            <a:spAutoFit/>
+          </a:bodyPr>
+          <a:lstStyle/>
+          <a:p>
+            <a:r>
+              <a:rPr lang="es-CO" sz="2400" dirty="0"/>
+              <a:t>Casos de prueba</a:t>
+            </a:r>
+          </a:p>
+        </p:txBody>
+      </p:sp>
       <p:pic>
         <p:nvPicPr>
-          <p:cNvPr id="3" name="Imagen 2">
+          <p:cNvPr id="3" name="Imagen 4">
             <a:extLst>
               <a:ext uri="{FF2B5EF4-FFF2-40B4-BE49-F238E27FC236}">
-                <a16:creationId xmlns:a16="http://schemas.microsoft.com/office/drawing/2014/main" id="{49152FE4-F2FA-45AE-ACB3-BCE37979F9B6}"/>
-              </a:ext>
-            </a:extLst>
-          </p:cNvPr>
-          <p:cNvPicPr>
-            <a:picLocks noChangeAspect="1"/>
-          </p:cNvPicPr>
-          <p:nvPr/>
-        </p:nvPicPr>
-        <p:blipFill>
-          <a:blip r:embed="rId2"/>
-          <a:stretch>
-            <a:fillRect/>
-          </a:stretch>
-        </p:blipFill>
-        <p:spPr>
-          <a:xfrm>
-            <a:off x="256441" y="576262"/>
-            <a:ext cx="7828452" cy="3990975"/>
-          </a:xfrm>
-          <a:prstGeom prst="rect">
-            <a:avLst/>
-          </a:prstGeom>
-        </p:spPr>
-      </p:pic>
-      <p:pic>
-        <p:nvPicPr>
-          <p:cNvPr id="4" name="Imagen 4">
-            <a:extLst>
-              <a:ext uri="{FF2B5EF4-FFF2-40B4-BE49-F238E27FC236}">
-                <a16:creationId xmlns:a16="http://schemas.microsoft.com/office/drawing/2014/main" id="{78E5074D-BFE8-41B8-AA08-64C5EFE8FF2B}"/>
+                <a16:creationId xmlns:a16="http://schemas.microsoft.com/office/drawing/2014/main" xmlns="" id="{94F783D8-C3CE-48E1-A5AE-E0915A6629DA}"/>
               </a:ext>
             </a:extLst>
           </p:cNvPr>
@@ -4747,11 +3512,11 @@
           <p:nvPr/>
         </p:nvPicPr>
         <p:blipFill rotWithShape="1">
-          <a:blip r:embed="rId3">
+          <a:blip r:embed="rId2">
             <a:extLst>
               <a:ext uri="{BEBA8EAE-BF5A-486C-A8C5-ECC9F3942E4B}">
                 <a14:imgProps xmlns:a14="http://schemas.microsoft.com/office/drawing/2010/main">
-                  <a14:imgLayer r:embed="rId4">
+                  <a14:imgLayer r:embed="rId3">
                     <a14:imgEffect>
                       <a14:backgroundRemoval t="9800" b="56400" l="26400" r="72000"/>
                     </a14:imgEffect>
@@ -4765,7 +3530,7 @@
         </p:blipFill>
         <p:spPr>
           <a:xfrm>
-            <a:off x="7903326" y="3894931"/>
+            <a:off x="8086333" y="4010545"/>
             <a:ext cx="833718" cy="877422"/>
           </a:xfrm>
           <a:prstGeom prst="rect">
@@ -4776,13 +3541,20 @@
     </p:spTree>
     <p:extLst>
       <p:ext uri="{BB962C8B-B14F-4D97-AF65-F5344CB8AC3E}">
-        <p14:creationId xmlns:p14="http://schemas.microsoft.com/office/powerpoint/2010/main" val="536352679"/>
+        <p14:creationId xmlns:p14="http://schemas.microsoft.com/office/powerpoint/2010/main" val="2400786460"/>
       </p:ext>
     </p:extLst>
   </p:cSld>
   <p:clrMapOvr>
     <a:masterClrMapping/>
   </p:clrMapOvr>
+  <p:timing>
+    <p:tnLst>
+      <p:par>
+        <p:cTn id="1" dur="indefinite" restart="never" nodeType="tmRoot"/>
+      </p:par>
+    </p:tnLst>
+  </p:timing>
 </p:sld>
 </file>
 
